--- a/8일차 20180206/1교시아침문제.pptx
+++ b/8일차 20180206/1교시아침문제.pptx
@@ -16,13 +16,13 @@
     <p:sldId id="260" r:id="rId7"/>
     <p:sldId id="262" r:id="rId8"/>
     <p:sldId id="263" r:id="rId9"/>
-    <p:sldId id="264" r:id="rId10"/>
-    <p:sldId id="265" r:id="rId11"/>
-    <p:sldId id="266" r:id="rId12"/>
-    <p:sldId id="267" r:id="rId13"/>
-    <p:sldId id="268" r:id="rId14"/>
-    <p:sldId id="269" r:id="rId15"/>
-    <p:sldId id="270" r:id="rId16"/>
+    <p:sldId id="269" r:id="rId10"/>
+    <p:sldId id="270" r:id="rId11"/>
+    <p:sldId id="264" r:id="rId12"/>
+    <p:sldId id="265" r:id="rId13"/>
+    <p:sldId id="266" r:id="rId14"/>
+    <p:sldId id="267" r:id="rId15"/>
+    <p:sldId id="268" r:id="rId16"/>
   </p:sldIdLst>
   <p:sldSz cx="9144000" cy="6858000" type="screen4x3"/>
   <p:notesSz cx="6858000" cy="9144000"/>
@@ -1291,7 +1291,7 @@
           <a:p>
             <a:r>
               <a:rPr lang="en-US" altLang="ko-KR" dirty="0" err="1" smtClean="0"/>
-              <a:t>dic</a:t>
+              <a:t>product_dic</a:t>
             </a:r>
             <a:r>
               <a:rPr lang="en-US" altLang="ko-KR" dirty="0" smtClean="0"/>
@@ -1303,7 +1303,7 @@
             </a:r>
             <a:r>
               <a:rPr lang="en-US" altLang="ko-KR" dirty="0" smtClean="0"/>
-              <a:t>': '3', '</a:t>
+              <a:t>':'3','</a:t>
             </a:r>
             <a:r>
               <a:rPr lang="ko-KR" altLang="en-US" dirty="0" smtClean="0"/>
@@ -1311,11 +1311,96 @@
             </a:r>
             <a:r>
               <a:rPr lang="en-US" altLang="ko-KR" dirty="0" smtClean="0"/>
-              <a:t>': '5500</a:t>
+              <a:t>':'5','</a:t>
             </a:r>
             <a:r>
               <a:rPr lang="ko-KR" altLang="en-US" dirty="0" smtClean="0"/>
-              <a:t>원</a:t>
+              <a:t>샴푸</a:t>
+            </a:r>
+            <a:r>
+              <a:rPr lang="en-US" altLang="ko-KR" dirty="0" smtClean="0"/>
+              <a:t>':'2','</a:t>
+            </a:r>
+            <a:r>
+              <a:rPr lang="ko-KR" altLang="en-US" dirty="0" smtClean="0"/>
+              <a:t>치약</a:t>
+            </a:r>
+            <a:r>
+              <a:rPr lang="en-US" altLang="ko-KR" dirty="0" smtClean="0"/>
+              <a:t>':'4','</a:t>
+            </a:r>
+            <a:r>
+              <a:rPr lang="ko-KR" altLang="en-US" dirty="0" smtClean="0"/>
+              <a:t>로션</a:t>
+            </a:r>
+            <a:r>
+              <a:rPr lang="en-US" altLang="ko-KR" dirty="0" smtClean="0"/>
+              <a:t>':'5'}</a:t>
+            </a:r>
+          </a:p>
+          <a:p>
+            <a:r>
+              <a:rPr lang="en-US" altLang="ko-KR" dirty="0" err="1" smtClean="0"/>
+              <a:t>sale_dic</a:t>
+            </a:r>
+            <a:r>
+              <a:rPr lang="en-US" altLang="ko-KR" dirty="0" smtClean="0"/>
+              <a:t>={'</a:t>
+            </a:r>
+            <a:r>
+              <a:rPr lang="ko-KR" altLang="en-US" dirty="0" smtClean="0"/>
+              <a:t>치약</a:t>
+            </a:r>
+            <a:r>
+              <a:rPr lang="en-US" altLang="ko-KR" dirty="0" smtClean="0"/>
+              <a:t>':'4','</a:t>
+            </a:r>
+            <a:r>
+              <a:rPr lang="ko-KR" altLang="en-US" dirty="0" smtClean="0"/>
+              <a:t>로션</a:t>
+            </a:r>
+            <a:r>
+              <a:rPr lang="en-US" altLang="ko-KR" dirty="0" smtClean="0"/>
+              <a:t>':'5'}</a:t>
+            </a:r>
+          </a:p>
+          <a:p>
+            <a:r>
+              <a:rPr lang="en-US" altLang="ko-KR" dirty="0" err="1" smtClean="0"/>
+              <a:t>customer_dic</a:t>
+            </a:r>
+            <a:r>
+              <a:rPr lang="en-US" altLang="ko-KR" dirty="0" smtClean="0"/>
+              <a:t>={'</a:t>
+            </a:r>
+            <a:r>
+              <a:rPr lang="ko-KR" altLang="en-US" dirty="0" smtClean="0"/>
+              <a:t>칫솔</a:t>
+            </a:r>
+            <a:r>
+              <a:rPr lang="en-US" altLang="ko-KR" dirty="0" smtClean="0"/>
+              <a:t>':'5','</a:t>
+            </a:r>
+            <a:r>
+              <a:rPr lang="ko-KR" altLang="en-US" dirty="0" smtClean="0"/>
+              <a:t>치약</a:t>
+            </a:r>
+            <a:r>
+              <a:rPr lang="en-US" altLang="ko-KR" dirty="0" smtClean="0"/>
+              <a:t>':'4'}</a:t>
+            </a:r>
+          </a:p>
+          <a:p>
+            <a:endParaRPr lang="en-US" altLang="ko-KR" dirty="0" smtClean="0"/>
+          </a:p>
+          <a:p>
+            <a:r>
+              <a:rPr lang="en-US" altLang="ko-KR" dirty="0" smtClean="0"/>
+              <a:t>good={'</a:t>
+            </a:r>
+            <a:r>
+              <a:rPr lang="ko-KR" altLang="en-US" dirty="0" smtClean="0"/>
+              <a:t>칫솔</a:t>
             </a:r>
             <a:r>
               <a:rPr lang="en-US" altLang="ko-KR" dirty="0" smtClean="0"/>
@@ -1323,37 +1408,7 @@
             </a:r>
             <a:r>
               <a:rPr lang="ko-KR" altLang="en-US" dirty="0" smtClean="0"/>
-              <a:t>우동</a:t>
-            </a:r>
-            <a:r>
-              <a:rPr lang="en-US" altLang="ko-KR" dirty="0" smtClean="0"/>
-              <a:t>': '2500</a:t>
-            </a:r>
-            <a:r>
-              <a:rPr lang="ko-KR" altLang="en-US" dirty="0" smtClean="0"/>
-              <a:t>원</a:t>
-            </a:r>
-            <a:r>
-              <a:rPr lang="en-US" altLang="ko-KR" dirty="0" smtClean="0"/>
-              <a:t>',</a:t>
-            </a:r>
-          </a:p>
-          <a:p>
-            <a:r>
-              <a:rPr lang="en-US" altLang="ko-KR" dirty="0" smtClean="0"/>
-              <a:t>     '</a:t>
-            </a:r>
-            <a:r>
-              <a:rPr lang="ko-KR" altLang="en-US" dirty="0" smtClean="0"/>
-              <a:t>초밥 세트</a:t>
-            </a:r>
-            <a:r>
-              <a:rPr lang="en-US" altLang="ko-KR" dirty="0" smtClean="0"/>
-              <a:t>': '9000</a:t>
-            </a:r>
-            <a:r>
-              <a:rPr lang="ko-KR" altLang="en-US" dirty="0" smtClean="0"/>
-              <a:t>원</a:t>
+              <a:t>치약</a:t>
             </a:r>
             <a:r>
               <a:rPr lang="en-US" altLang="ko-KR" dirty="0" smtClean="0"/>
@@ -1361,16 +1416,52 @@
             </a:r>
           </a:p>
           <a:p>
+            <a:r>
+              <a:rPr lang="en-US" altLang="ko-KR" dirty="0" smtClean="0"/>
+              <a:t>bad={'</a:t>
+            </a:r>
+            <a:r>
+              <a:rPr lang="ko-KR" altLang="en-US" dirty="0" smtClean="0"/>
+              <a:t>비누</a:t>
+            </a:r>
+            <a:r>
+              <a:rPr lang="en-US" altLang="ko-KR" dirty="0" smtClean="0"/>
+              <a:t>','</a:t>
+            </a:r>
+            <a:r>
+              <a:rPr lang="ko-KR" altLang="en-US" dirty="0" smtClean="0"/>
+              <a:t>샴푸</a:t>
+            </a:r>
+            <a:r>
+              <a:rPr lang="en-US" altLang="ko-KR" dirty="0" smtClean="0"/>
+              <a:t>'}</a:t>
+            </a:r>
+          </a:p>
+          <a:p>
             <a:endParaRPr lang="en-US" altLang="ko-KR" dirty="0" smtClean="0"/>
           </a:p>
           <a:p>
             <a:r>
               <a:rPr lang="en-US" altLang="ko-KR" dirty="0" smtClean="0"/>
-              <a:t>for index in </a:t>
+              <a:t>print("</a:t>
+            </a:r>
+            <a:r>
+              <a:rPr lang="ko-KR" altLang="en-US" dirty="0" smtClean="0"/>
+              <a:t>우수 제품 </a:t>
+            </a:r>
+            <a:r>
+              <a:rPr lang="en-US" altLang="ko-KR" dirty="0" smtClean="0"/>
+              <a:t>", good)</a:t>
+            </a:r>
+          </a:p>
+          <a:p>
+            <a:r>
+              <a:rPr lang="en-US" altLang="ko-KR" dirty="0" smtClean="0"/>
+              <a:t>for i in </a:t>
             </a:r>
             <a:r>
               <a:rPr lang="en-US" altLang="ko-KR" dirty="0" err="1" smtClean="0"/>
-              <a:t>dic.keys</a:t>
+              <a:t>product_dic.keys</a:t>
             </a:r>
             <a:r>
               <a:rPr lang="en-US" altLang="ko-KR" dirty="0" smtClean="0"/>
@@ -1380,42 +1471,30 @@
           <a:p>
             <a:r>
               <a:rPr lang="en-US" altLang="ko-KR" dirty="0" smtClean="0"/>
-              <a:t>    print(index, end="")</a:t>
-            </a:r>
-          </a:p>
-          <a:p>
+              <a:t>    if i=='</a:t>
+            </a:r>
+            <a:r>
+              <a:rPr lang="ko-KR" altLang="en-US" dirty="0" smtClean="0"/>
+              <a:t>로션</a:t>
+            </a:r>
             <a:r>
               <a:rPr lang="en-US" altLang="ko-KR" dirty="0" smtClean="0"/>
-              <a:t>    </a:t>
+              <a:t>' and product[i]&gt;=4:</a:t>
             </a:r>
           </a:p>
           <a:p>
             <a:r>
               <a:rPr lang="en-US" altLang="ko-KR" dirty="0" smtClean="0"/>
-              <a:t>    print(</a:t>
-            </a:r>
-            <a:r>
-              <a:rPr lang="en-US" altLang="ko-KR" dirty="0" err="1" smtClean="0"/>
-              <a:t>dic</a:t>
-            </a:r>
-            <a:r>
-              <a:rPr lang="en-US" altLang="ko-KR" dirty="0" smtClean="0"/>
-              <a:t>[index])</a:t>
-            </a:r>
-          </a:p>
-          <a:p>
-            <a:r>
-              <a:rPr lang="en-US" altLang="ko-KR" dirty="0" smtClean="0"/>
-              <a:t>    </a:t>
-            </a:r>
-          </a:p>
-          <a:p>
-            <a:endParaRPr lang="en-US" altLang="ko-KR" dirty="0" smtClean="0"/>
-          </a:p>
-          <a:p>
-            <a:endParaRPr lang="en-US" altLang="ko-KR" dirty="0" smtClean="0"/>
-          </a:p>
-          <a:p>
+              <a:t>        print(i, "</a:t>
+            </a:r>
+            <a:r>
+              <a:rPr lang="ko-KR" altLang="en-US" dirty="0" smtClean="0"/>
+              <a:t>은 판매 중지에 해당되지 않습니다</a:t>
+            </a:r>
+            <a:r>
+              <a:rPr lang="en-US" altLang="ko-KR" smtClean="0"/>
+              <a:t>.")</a:t>
+            </a:r>
             <a:endParaRPr lang="ko-KR" altLang="en-US" dirty="0"/>
           </a:p>
         </p:txBody>
@@ -1509,7 +1588,128 @@
           <a:bodyPr/>
           <a:lstStyle/>
           <a:p>
-            <a:endParaRPr lang="ko-KR" altLang="en-US"/>
+            <a:r>
+              <a:rPr lang="en-US" altLang="ko-KR" dirty="0" err="1" smtClean="0"/>
+              <a:t>dic</a:t>
+            </a:r>
+            <a:r>
+              <a:rPr lang="en-US" altLang="ko-KR" dirty="0" smtClean="0"/>
+              <a:t>={'</a:t>
+            </a:r>
+            <a:r>
+              <a:rPr lang="ko-KR" altLang="en-US" dirty="0" smtClean="0"/>
+              <a:t>연필</a:t>
+            </a:r>
+            <a:r>
+              <a:rPr lang="en-US" altLang="ko-KR" dirty="0" smtClean="0"/>
+              <a:t>': '200</a:t>
+            </a:r>
+            <a:r>
+              <a:rPr lang="ko-KR" altLang="en-US" dirty="0" smtClean="0"/>
+              <a:t>원</a:t>
+            </a:r>
+            <a:r>
+              <a:rPr lang="en-US" altLang="ko-KR" dirty="0" smtClean="0"/>
+              <a:t>', '</a:t>
+            </a:r>
+            <a:r>
+              <a:rPr lang="ko-KR" altLang="en-US" dirty="0" smtClean="0"/>
+              <a:t>펜</a:t>
+            </a:r>
+            <a:r>
+              <a:rPr lang="en-US" altLang="ko-KR" dirty="0" smtClean="0"/>
+              <a:t>': '800</a:t>
+            </a:r>
+            <a:r>
+              <a:rPr lang="ko-KR" altLang="en-US" dirty="0" smtClean="0"/>
+              <a:t>원</a:t>
+            </a:r>
+            <a:r>
+              <a:rPr lang="en-US" altLang="ko-KR" dirty="0" smtClean="0"/>
+              <a:t>',' </a:t>
+            </a:r>
+            <a:r>
+              <a:rPr lang="ko-KR" altLang="en-US" dirty="0" smtClean="0"/>
+              <a:t>지우개</a:t>
+            </a:r>
+            <a:r>
+              <a:rPr lang="en-US" altLang="ko-KR" dirty="0" smtClean="0"/>
+              <a:t>': '500</a:t>
+            </a:r>
+            <a:r>
+              <a:rPr lang="ko-KR" altLang="en-US" dirty="0" smtClean="0"/>
+              <a:t>원</a:t>
+            </a:r>
+            <a:r>
+              <a:rPr lang="en-US" altLang="ko-KR" dirty="0" smtClean="0"/>
+              <a:t>', '</a:t>
+            </a:r>
+            <a:r>
+              <a:rPr lang="ko-KR" altLang="en-US" dirty="0" smtClean="0"/>
+              <a:t>자</a:t>
+            </a:r>
+            <a:r>
+              <a:rPr lang="en-US" altLang="ko-KR" dirty="0" smtClean="0"/>
+              <a:t>': '300</a:t>
+            </a:r>
+            <a:r>
+              <a:rPr lang="ko-KR" altLang="en-US" dirty="0" smtClean="0"/>
+              <a:t>원</a:t>
+            </a:r>
+            <a:r>
+              <a:rPr lang="en-US" altLang="ko-KR" dirty="0" smtClean="0"/>
+              <a:t>'}</a:t>
+            </a:r>
+          </a:p>
+          <a:p>
+            <a:endParaRPr lang="en-US" altLang="ko-KR" dirty="0" smtClean="0"/>
+          </a:p>
+          <a:p>
+            <a:endParaRPr lang="en-US" altLang="ko-KR" dirty="0" smtClean="0"/>
+          </a:p>
+          <a:p>
+            <a:r>
+              <a:rPr lang="en-US" altLang="ko-KR" dirty="0" smtClean="0"/>
+              <a:t>for index in </a:t>
+            </a:r>
+            <a:r>
+              <a:rPr lang="en-US" altLang="ko-KR" dirty="0" err="1" smtClean="0"/>
+              <a:t>dic.keys</a:t>
+            </a:r>
+            <a:r>
+              <a:rPr lang="en-US" altLang="ko-KR" dirty="0" smtClean="0"/>
+              <a:t>():</a:t>
+            </a:r>
+          </a:p>
+          <a:p>
+            <a:endParaRPr lang="en-US" altLang="ko-KR" dirty="0" smtClean="0"/>
+          </a:p>
+          <a:p>
+            <a:r>
+              <a:rPr lang="en-US" altLang="ko-KR" dirty="0" smtClean="0"/>
+              <a:t>    </a:t>
+            </a:r>
+          </a:p>
+          <a:p>
+            <a:r>
+              <a:rPr lang="en-US" altLang="ko-KR" dirty="0" smtClean="0"/>
+              <a:t>    print(</a:t>
+            </a:r>
+            <a:r>
+              <a:rPr lang="en-US" altLang="ko-KR" dirty="0" err="1" smtClean="0"/>
+              <a:t>dic</a:t>
+            </a:r>
+            <a:r>
+              <a:rPr lang="en-US" altLang="ko-KR" dirty="0" smtClean="0"/>
+              <a:t>[index])</a:t>
+            </a:r>
+          </a:p>
+          <a:p>
+            <a:r>
+              <a:rPr lang="en-US" altLang="ko-KR" dirty="0" smtClean="0"/>
+              <a:t> </a:t>
+            </a:r>
+            <a:endParaRPr lang="ko-KR" altLang="en-US" dirty="0"/>
           </a:p>
         </p:txBody>
       </p:sp>
@@ -1669,7 +1869,7 @@
           <a:p>
             <a:fld id="{F1E8E264-75C7-4708-9854-6C57FA3F1716}" type="slidenum">
               <a:rPr lang="ko-KR" altLang="en-US" smtClean="0"/>
-              <a:t>8</a:t>
+              <a:t>10</a:t>
             </a:fld>
             <a:endParaRPr lang="ko-KR" altLang="en-US"/>
           </a:p>
@@ -1796,7 +1996,7 @@
           <a:p>
             <a:fld id="{F1E8E264-75C7-4708-9854-6C57FA3F1716}" type="slidenum">
               <a:rPr lang="ko-KR" altLang="en-US" smtClean="0"/>
-              <a:t>9</a:t>
+              <a:t>11</a:t>
             </a:fld>
             <a:endParaRPr lang="ko-KR" altLang="en-US"/>
           </a:p>
@@ -1923,7 +2123,7 @@
           <a:p>
             <a:fld id="{F1E8E264-75C7-4708-9854-6C57FA3F1716}" type="slidenum">
               <a:rPr lang="ko-KR" altLang="en-US" smtClean="0"/>
-              <a:t>10</a:t>
+              <a:t>12</a:t>
             </a:fld>
             <a:endParaRPr lang="ko-KR" altLang="en-US"/>
           </a:p>
@@ -8275,6 +8475,340 @@
           <a:p>
             <a:r>
               <a:rPr lang="ko-KR" altLang="en-US" b="1" dirty="0" smtClean="0"/>
+              <a:t>정규식 단어 </a:t>
+            </a:r>
+            <a:r>
+              <a:rPr lang="en-US" altLang="ko-KR" b="1" dirty="0" smtClean="0"/>
+              <a:t>on </a:t>
+            </a:r>
+            <a:r>
+              <a:rPr lang="ko-KR" altLang="en-US" b="1" dirty="0" smtClean="0"/>
+              <a:t>찾기</a:t>
+            </a:r>
+            <a:r>
+              <a:rPr lang="en-US" altLang="ko-KR" b="1" dirty="0" smtClean="0"/>
+              <a:t>- r=</a:t>
+            </a:r>
+            <a:r>
+              <a:rPr lang="en-US" altLang="ko-KR" b="1" dirty="0" err="1" smtClean="0"/>
+              <a:t>re.compile</a:t>
+            </a:r>
+            <a:r>
+              <a:rPr lang="en-US" altLang="ko-KR" b="1" dirty="0" smtClean="0"/>
+              <a:t>(r”\</a:t>
+            </a:r>
+            <a:r>
+              <a:rPr lang="en-US" altLang="ko-KR" b="1" dirty="0" err="1" smtClean="0"/>
+              <a:t>bo</a:t>
+            </a:r>
+            <a:r>
+              <a:rPr lang="en-US" altLang="ko-KR" b="1" dirty="0" smtClean="0"/>
+              <a:t>.\b”) print(</a:t>
+            </a:r>
+            <a:r>
+              <a:rPr lang="en-US" altLang="ko-KR" b="1" dirty="0" err="1" smtClean="0"/>
+              <a:t>r.findall</a:t>
+            </a:r>
+            <a:r>
+              <a:rPr lang="en-US" altLang="ko-KR" b="1" dirty="0" smtClean="0"/>
+              <a:t>(a))</a:t>
+            </a:r>
+            <a:endParaRPr lang="ko-KR" altLang="en-US" b="1" dirty="0"/>
+          </a:p>
+        </p:txBody>
+      </p:sp>
+      <p:sp>
+        <p:nvSpPr>
+          <p:cNvPr id="3" name="슬라이드 번호 개체 틀 2"/>
+          <p:cNvSpPr>
+            <a:spLocks noGrp="1"/>
+          </p:cNvSpPr>
+          <p:nvPr>
+            <p:ph type="sldNum" sz="quarter" idx="12"/>
+          </p:nvPr>
+        </p:nvSpPr>
+        <p:spPr/>
+        <p:txBody>
+          <a:bodyPr/>
+          <a:lstStyle/>
+          <a:p>
+            <a:fld id="{44CD35DA-7DA3-4004-95B7-1DAC72F1C791}" type="slidenum">
+              <a:rPr lang="ko-KR" altLang="en-US" smtClean="0">
+                <a:solidFill>
+                  <a:prstClr val="white"/>
+                </a:solidFill>
+              </a:rPr>
+              <a:pPr/>
+              <a:t>10</a:t>
+            </a:fld>
+            <a:endParaRPr lang="ko-KR" altLang="en-US" dirty="0">
+              <a:solidFill>
+                <a:prstClr val="white"/>
+              </a:solidFill>
+            </a:endParaRPr>
+          </a:p>
+        </p:txBody>
+      </p:sp>
+      <p:pic>
+        <p:nvPicPr>
+          <p:cNvPr id="4098" name="Picture 2"/>
+          <p:cNvPicPr>
+            <a:picLocks noChangeAspect="1" noChangeArrowheads="1"/>
+          </p:cNvPicPr>
+          <p:nvPr/>
+        </p:nvPicPr>
+        <p:blipFill rotWithShape="1">
+          <a:blip r:embed="rId3">
+            <a:extLst>
+              <a:ext uri="{28A0092B-C50C-407E-A947-70E740481C1C}">
+                <a14:useLocalDpi xmlns:a14="http://schemas.microsoft.com/office/drawing/2010/main" val="0"/>
+              </a:ext>
+            </a:extLst>
+          </a:blip>
+          <a:srcRect l="12363" t="24089" r="50000" b="68184"/>
+          <a:stretch/>
+        </p:blipFill>
+        <p:spPr bwMode="auto">
+          <a:xfrm>
+            <a:off x="841388" y="2403375"/>
+            <a:ext cx="7334659" cy="1204649"/>
+          </a:xfrm>
+          <a:prstGeom prst="rect">
+            <a:avLst/>
+          </a:prstGeom>
+          <a:noFill/>
+          <a:ln>
+            <a:noFill/>
+          </a:ln>
+          <a:effectLst/>
+          <a:extLst>
+            <a:ext uri="{909E8E84-426E-40DD-AFC4-6F175D3DCCD1}">
+              <a14:hiddenFill xmlns:a14="http://schemas.microsoft.com/office/drawing/2010/main">
+                <a:solidFill>
+                  <a:schemeClr val="accent1"/>
+                </a:solidFill>
+              </a14:hiddenFill>
+            </a:ext>
+            <a:ext uri="{91240B29-F687-4F45-9708-019B960494DF}">
+              <a14:hiddenLine xmlns:a14="http://schemas.microsoft.com/office/drawing/2010/main" w="9525">
+                <a:solidFill>
+                  <a:schemeClr val="tx1"/>
+                </a:solidFill>
+                <a:miter lim="800000"/>
+                <a:headEnd/>
+                <a:tailEnd/>
+              </a14:hiddenLine>
+            </a:ext>
+            <a:ext uri="{AF507438-7753-43E0-B8FC-AC1667EBCBE1}">
+              <a14:hiddenEffects xmlns:a14="http://schemas.microsoft.com/office/drawing/2010/main">
+                <a:effectLst>
+                  <a:outerShdw dist="35921" dir="2700000" algn="ctr" rotWithShape="0">
+                    <a:schemeClr val="bg2"/>
+                  </a:outerShdw>
+                </a:effectLst>
+              </a14:hiddenEffects>
+            </a:ext>
+          </a:extLst>
+        </p:spPr>
+      </p:pic>
+    </p:spTree>
+    <p:extLst>
+      <p:ext uri="{BB962C8B-B14F-4D97-AF65-F5344CB8AC3E}">
+        <p14:creationId xmlns:p14="http://schemas.microsoft.com/office/powerpoint/2010/main" val="2896012337"/>
+      </p:ext>
+    </p:extLst>
+  </p:cSld>
+  <p:clrMapOvr>
+    <a:masterClrMapping/>
+  </p:clrMapOvr>
+</p:sld>
+</file>
+
+<file path=ppt/slides/slide11.xml><?xml version="1.0" encoding="utf-8"?>
+<p:sld xmlns:a="http://schemas.openxmlformats.org/drawingml/2006/main" xmlns:r="http://schemas.openxmlformats.org/officeDocument/2006/relationships" xmlns:p="http://schemas.openxmlformats.org/presentationml/2006/main">
+  <p:cSld>
+    <p:spTree>
+      <p:nvGrpSpPr>
+        <p:cNvPr id="1" name=""/>
+        <p:cNvGrpSpPr/>
+        <p:nvPr/>
+      </p:nvGrpSpPr>
+      <p:grpSpPr>
+        <a:xfrm>
+          <a:off x="0" y="0"/>
+          <a:ext cx="0" cy="0"/>
+          <a:chOff x="0" y="0"/>
+          <a:chExt cx="0" cy="0"/>
+        </a:xfrm>
+      </p:grpSpPr>
+      <p:sp>
+        <p:nvSpPr>
+          <p:cNvPr id="2" name="내용 개체 틀 1"/>
+          <p:cNvSpPr>
+            <a:spLocks noGrp="1"/>
+          </p:cNvSpPr>
+          <p:nvPr>
+            <p:ph idx="1"/>
+          </p:nvPr>
+        </p:nvSpPr>
+        <p:spPr/>
+        <p:txBody>
+          <a:bodyPr/>
+          <a:lstStyle/>
+          <a:p>
+            <a:r>
+              <a:rPr lang="ko-KR" altLang="en-US" b="1" dirty="0" smtClean="0"/>
+              <a:t>정규식 대문자로 시작하는 단어 찾기 </a:t>
+            </a:r>
+            <a:r>
+              <a:rPr lang="en-US" altLang="ko-KR" b="1" dirty="0" smtClean="0"/>
+              <a:t>[A-Z]\w+</a:t>
+            </a:r>
+            <a:endParaRPr lang="ko-KR" altLang="en-US" b="1" dirty="0"/>
+          </a:p>
+        </p:txBody>
+      </p:sp>
+      <p:sp>
+        <p:nvSpPr>
+          <p:cNvPr id="3" name="슬라이드 번호 개체 틀 2"/>
+          <p:cNvSpPr>
+            <a:spLocks noGrp="1"/>
+          </p:cNvSpPr>
+          <p:nvPr>
+            <p:ph type="sldNum" sz="quarter" idx="12"/>
+          </p:nvPr>
+        </p:nvSpPr>
+        <p:spPr/>
+        <p:txBody>
+          <a:bodyPr/>
+          <a:lstStyle/>
+          <a:p>
+            <a:fld id="{44CD35DA-7DA3-4004-95B7-1DAC72F1C791}" type="slidenum">
+              <a:rPr lang="ko-KR" altLang="en-US" smtClean="0">
+                <a:solidFill>
+                  <a:prstClr val="white"/>
+                </a:solidFill>
+              </a:rPr>
+              <a:pPr/>
+              <a:t>11</a:t>
+            </a:fld>
+            <a:endParaRPr lang="ko-KR" altLang="en-US" dirty="0">
+              <a:solidFill>
+                <a:prstClr val="white"/>
+              </a:solidFill>
+            </a:endParaRPr>
+          </a:p>
+        </p:txBody>
+      </p:sp>
+      <p:pic>
+        <p:nvPicPr>
+          <p:cNvPr id="5122" name="Picture 2"/>
+          <p:cNvPicPr>
+            <a:picLocks noChangeAspect="1" noChangeArrowheads="1"/>
+          </p:cNvPicPr>
+          <p:nvPr/>
+        </p:nvPicPr>
+        <p:blipFill rotWithShape="1">
+          <a:blip r:embed="rId3">
+            <a:extLst>
+              <a:ext uri="{28A0092B-C50C-407E-A947-70E740481C1C}">
+                <a14:useLocalDpi xmlns:a14="http://schemas.microsoft.com/office/drawing/2010/main" val="0"/>
+              </a:ext>
+            </a:extLst>
+          </a:blip>
+          <a:srcRect l="10800" t="58156" r="33698" b="34281"/>
+          <a:stretch/>
+        </p:blipFill>
+        <p:spPr bwMode="auto">
+          <a:xfrm>
+            <a:off x="0" y="1471590"/>
+            <a:ext cx="9369372" cy="1021306"/>
+          </a:xfrm>
+          <a:prstGeom prst="rect">
+            <a:avLst/>
+          </a:prstGeom>
+          <a:noFill/>
+          <a:ln>
+            <a:noFill/>
+          </a:ln>
+          <a:effectLst/>
+          <a:extLst>
+            <a:ext uri="{909E8E84-426E-40DD-AFC4-6F175D3DCCD1}">
+              <a14:hiddenFill xmlns:a14="http://schemas.microsoft.com/office/drawing/2010/main">
+                <a:solidFill>
+                  <a:schemeClr val="accent1"/>
+                </a:solidFill>
+              </a14:hiddenFill>
+            </a:ext>
+            <a:ext uri="{91240B29-F687-4F45-9708-019B960494DF}">
+              <a14:hiddenLine xmlns:a14="http://schemas.microsoft.com/office/drawing/2010/main" w="9525">
+                <a:solidFill>
+                  <a:schemeClr val="tx1"/>
+                </a:solidFill>
+                <a:miter lim="800000"/>
+                <a:headEnd/>
+                <a:tailEnd/>
+              </a14:hiddenLine>
+            </a:ext>
+            <a:ext uri="{AF507438-7753-43E0-B8FC-AC1667EBCBE1}">
+              <a14:hiddenEffects xmlns:a14="http://schemas.microsoft.com/office/drawing/2010/main">
+                <a:effectLst>
+                  <a:outerShdw dist="35921" dir="2700000" algn="ctr" rotWithShape="0">
+                    <a:schemeClr val="bg2"/>
+                  </a:outerShdw>
+                </a:effectLst>
+              </a14:hiddenEffects>
+            </a:ext>
+          </a:extLst>
+        </p:spPr>
+      </p:pic>
+    </p:spTree>
+    <p:extLst>
+      <p:ext uri="{BB962C8B-B14F-4D97-AF65-F5344CB8AC3E}">
+        <p14:creationId xmlns:p14="http://schemas.microsoft.com/office/powerpoint/2010/main" val="2776850619"/>
+      </p:ext>
+    </p:extLst>
+  </p:cSld>
+  <p:clrMapOvr>
+    <a:masterClrMapping/>
+  </p:clrMapOvr>
+</p:sld>
+</file>
+
+<file path=ppt/slides/slide12.xml><?xml version="1.0" encoding="utf-8"?>
+<p:sld xmlns:a="http://schemas.openxmlformats.org/drawingml/2006/main" xmlns:r="http://schemas.openxmlformats.org/officeDocument/2006/relationships" xmlns:p="http://schemas.openxmlformats.org/presentationml/2006/main">
+  <p:cSld>
+    <p:spTree>
+      <p:nvGrpSpPr>
+        <p:cNvPr id="1" name=""/>
+        <p:cNvGrpSpPr/>
+        <p:nvPr/>
+      </p:nvGrpSpPr>
+      <p:grpSpPr>
+        <a:xfrm>
+          <a:off x="0" y="0"/>
+          <a:ext cx="0" cy="0"/>
+          <a:chOff x="0" y="0"/>
+          <a:chExt cx="0" cy="0"/>
+        </a:xfrm>
+      </p:grpSpPr>
+      <p:sp>
+        <p:nvSpPr>
+          <p:cNvPr id="2" name="내용 개체 틀 1"/>
+          <p:cNvSpPr>
+            <a:spLocks noGrp="1"/>
+          </p:cNvSpPr>
+          <p:nvPr>
+            <p:ph idx="1"/>
+          </p:nvPr>
+        </p:nvSpPr>
+        <p:spPr/>
+        <p:txBody>
+          <a:bodyPr/>
+          <a:lstStyle/>
+          <a:p>
+            <a:r>
+              <a:rPr lang="ko-KR" altLang="en-US" b="1" dirty="0" smtClean="0"/>
               <a:t>소문자로 시작하는 단어 찾기</a:t>
             </a:r>
             <a:r>
@@ -8331,7 +8865,7 @@
                 </a:solidFill>
               </a:rPr>
               <a:pPr/>
-              <a:t>10</a:t>
+              <a:t>12</a:t>
             </a:fld>
             <a:endParaRPr lang="ko-KR" altLang="en-US" dirty="0">
               <a:solidFill>
@@ -8416,172 +8950,6 @@
 </p:sld>
 </file>
 
-<file path=ppt/slides/slide11.xml><?xml version="1.0" encoding="utf-8"?>
-<p:sld xmlns:a="http://schemas.openxmlformats.org/drawingml/2006/main" xmlns:r="http://schemas.openxmlformats.org/officeDocument/2006/relationships" xmlns:p="http://schemas.openxmlformats.org/presentationml/2006/main">
-  <p:cSld>
-    <p:spTree>
-      <p:nvGrpSpPr>
-        <p:cNvPr id="1" name=""/>
-        <p:cNvGrpSpPr/>
-        <p:nvPr/>
-      </p:nvGrpSpPr>
-      <p:grpSpPr>
-        <a:xfrm>
-          <a:off x="0" y="0"/>
-          <a:ext cx="0" cy="0"/>
-          <a:chOff x="0" y="0"/>
-          <a:chExt cx="0" cy="0"/>
-        </a:xfrm>
-      </p:grpSpPr>
-      <p:sp>
-        <p:nvSpPr>
-          <p:cNvPr id="2" name="내용 개체 틀 1"/>
-          <p:cNvSpPr>
-            <a:spLocks noGrp="1"/>
-          </p:cNvSpPr>
-          <p:nvPr>
-            <p:ph idx="1"/>
-          </p:nvPr>
-        </p:nvSpPr>
-        <p:spPr/>
-        <p:txBody>
-          <a:bodyPr/>
-          <a:lstStyle/>
-          <a:p>
-            <a:r>
-              <a:rPr lang="ko-KR" altLang="en-US" dirty="0" smtClean="0"/>
-              <a:t>특수기호로 끝나는 단어 찾기</a:t>
-            </a:r>
-            <a:endParaRPr lang="ko-KR" altLang="en-US" dirty="0"/>
-          </a:p>
-        </p:txBody>
-      </p:sp>
-      <p:sp>
-        <p:nvSpPr>
-          <p:cNvPr id="3" name="슬라이드 번호 개체 틀 2"/>
-          <p:cNvSpPr>
-            <a:spLocks noGrp="1"/>
-          </p:cNvSpPr>
-          <p:nvPr>
-            <p:ph type="sldNum" sz="quarter" idx="12"/>
-          </p:nvPr>
-        </p:nvSpPr>
-        <p:spPr/>
-        <p:txBody>
-          <a:bodyPr/>
-          <a:lstStyle/>
-          <a:p>
-            <a:fld id="{44CD35DA-7DA3-4004-95B7-1DAC72F1C791}" type="slidenum">
-              <a:rPr lang="ko-KR" altLang="en-US" smtClean="0">
-                <a:solidFill>
-                  <a:prstClr val="white"/>
-                </a:solidFill>
-              </a:rPr>
-              <a:pPr/>
-              <a:t>11</a:t>
-            </a:fld>
-            <a:endParaRPr lang="ko-KR" altLang="en-US" dirty="0">
-              <a:solidFill>
-                <a:prstClr val="white"/>
-              </a:solidFill>
-            </a:endParaRPr>
-          </a:p>
-        </p:txBody>
-      </p:sp>
-    </p:spTree>
-    <p:extLst>
-      <p:ext uri="{BB962C8B-B14F-4D97-AF65-F5344CB8AC3E}">
-        <p14:creationId xmlns:p14="http://schemas.microsoft.com/office/powerpoint/2010/main" val="1286104489"/>
-      </p:ext>
-    </p:extLst>
-  </p:cSld>
-  <p:clrMapOvr>
-    <a:masterClrMapping/>
-  </p:clrMapOvr>
-</p:sld>
-</file>
-
-<file path=ppt/slides/slide12.xml><?xml version="1.0" encoding="utf-8"?>
-<p:sld xmlns:a="http://schemas.openxmlformats.org/drawingml/2006/main" xmlns:r="http://schemas.openxmlformats.org/officeDocument/2006/relationships" xmlns:p="http://schemas.openxmlformats.org/presentationml/2006/main">
-  <p:cSld>
-    <p:spTree>
-      <p:nvGrpSpPr>
-        <p:cNvPr id="1" name=""/>
-        <p:cNvGrpSpPr/>
-        <p:nvPr/>
-      </p:nvGrpSpPr>
-      <p:grpSpPr>
-        <a:xfrm>
-          <a:off x="0" y="0"/>
-          <a:ext cx="0" cy="0"/>
-          <a:chOff x="0" y="0"/>
-          <a:chExt cx="0" cy="0"/>
-        </a:xfrm>
-      </p:grpSpPr>
-      <p:sp>
-        <p:nvSpPr>
-          <p:cNvPr id="2" name="내용 개체 틀 1"/>
-          <p:cNvSpPr>
-            <a:spLocks noGrp="1"/>
-          </p:cNvSpPr>
-          <p:nvPr>
-            <p:ph idx="1"/>
-          </p:nvPr>
-        </p:nvSpPr>
-        <p:spPr/>
-        <p:txBody>
-          <a:bodyPr/>
-          <a:lstStyle/>
-          <a:p>
-            <a:endParaRPr lang="ko-KR" altLang="en-US"/>
-          </a:p>
-        </p:txBody>
-      </p:sp>
-      <p:sp>
-        <p:nvSpPr>
-          <p:cNvPr id="3" name="슬라이드 번호 개체 틀 2"/>
-          <p:cNvSpPr>
-            <a:spLocks noGrp="1"/>
-          </p:cNvSpPr>
-          <p:nvPr>
-            <p:ph type="sldNum" sz="quarter" idx="12"/>
-          </p:nvPr>
-        </p:nvSpPr>
-        <p:spPr/>
-        <p:txBody>
-          <a:bodyPr/>
-          <a:lstStyle/>
-          <a:p>
-            <a:fld id="{44CD35DA-7DA3-4004-95B7-1DAC72F1C791}" type="slidenum">
-              <a:rPr lang="ko-KR" altLang="en-US" smtClean="0">
-                <a:solidFill>
-                  <a:prstClr val="white"/>
-                </a:solidFill>
-              </a:rPr>
-              <a:pPr/>
-              <a:t>12</a:t>
-            </a:fld>
-            <a:endParaRPr lang="ko-KR" altLang="en-US" dirty="0">
-              <a:solidFill>
-                <a:prstClr val="white"/>
-              </a:solidFill>
-            </a:endParaRPr>
-          </a:p>
-        </p:txBody>
-      </p:sp>
-    </p:spTree>
-    <p:extLst>
-      <p:ext uri="{BB962C8B-B14F-4D97-AF65-F5344CB8AC3E}">
-        <p14:creationId xmlns:p14="http://schemas.microsoft.com/office/powerpoint/2010/main" val="1711703599"/>
-      </p:ext>
-    </p:extLst>
-  </p:cSld>
-  <p:clrMapOvr>
-    <a:masterClrMapping/>
-  </p:clrMapOvr>
-</p:sld>
-</file>
-
 <file path=ppt/slides/slide13.xml><?xml version="1.0" encoding="utf-8"?>
 <p:sld xmlns:a="http://schemas.openxmlformats.org/drawingml/2006/main" xmlns:r="http://schemas.openxmlformats.org/officeDocument/2006/relationships" xmlns:p="http://schemas.openxmlformats.org/presentationml/2006/main">
   <p:cSld>
@@ -8601,496 +8969,63 @@
       </p:grpSpPr>
       <p:sp>
         <p:nvSpPr>
-          <p:cNvPr id="4" name="TextBox 3"/>
-          <p:cNvSpPr txBox="1"/>
-          <p:nvPr/>
-        </p:nvSpPr>
-        <p:spPr>
-          <a:xfrm>
-            <a:off x="107504" y="116632"/>
-            <a:ext cx="8804013" cy="5755422"/>
-          </a:xfrm>
-          <a:prstGeom prst="rect">
-            <a:avLst/>
-          </a:prstGeom>
-          <a:noFill/>
-        </p:spPr>
-        <p:txBody>
-          <a:bodyPr wrap="none" rtlCol="0">
-            <a:spAutoFit/>
-          </a:bodyPr>
+          <p:cNvPr id="2" name="내용 개체 틀 1"/>
+          <p:cNvSpPr>
+            <a:spLocks noGrp="1"/>
+          </p:cNvSpPr>
+          <p:nvPr>
+            <p:ph idx="1"/>
+          </p:nvPr>
+        </p:nvSpPr>
+        <p:spPr/>
+        <p:txBody>
+          <a:bodyPr/>
           <a:lstStyle/>
           <a:p>
             <a:r>
-              <a:rPr lang="en-US" altLang="ko-KR" sz="1600" dirty="0" smtClean="0">
-                <a:effectLst/>
-              </a:rPr>
-              <a:t>\d </a:t>
-            </a:r>
-            <a:r>
-              <a:rPr lang="ko-KR" altLang="en-US" sz="1600" dirty="0" smtClean="0">
-                <a:effectLst/>
-              </a:rPr>
-              <a:t>나 </a:t>
-            </a:r>
-            <a:r>
-              <a:rPr lang="en-US" altLang="ko-KR" sz="1600" dirty="0" smtClean="0">
-                <a:effectLst/>
-              </a:rPr>
-              <a:t>\w, \s </a:t>
-            </a:r>
-            <a:r>
-              <a:rPr lang="ko-KR" altLang="en-US" sz="1600" dirty="0" smtClean="0">
-                <a:effectLst/>
-              </a:rPr>
-              <a:t>등과 같은 메타 문자들이 </a:t>
-            </a:r>
-            <a:r>
-              <a:rPr lang="en-US" altLang="ko-KR" sz="1600" dirty="0" smtClean="0">
-                <a:effectLst/>
-              </a:rPr>
-              <a:t>'</a:t>
-            </a:r>
-            <a:r>
-              <a:rPr lang="ko-KR" altLang="en-US" sz="1600" dirty="0" smtClean="0">
-                <a:effectLst/>
-              </a:rPr>
-              <a:t>특정 텍스트의 집합</a:t>
-            </a:r>
-            <a:r>
-              <a:rPr lang="en-US" altLang="ko-KR" sz="1600" dirty="0" smtClean="0">
-                <a:effectLst/>
-              </a:rPr>
-              <a:t>'</a:t>
-            </a:r>
-            <a:r>
-              <a:rPr lang="ko-KR" altLang="en-US" sz="1600" dirty="0" smtClean="0">
-                <a:effectLst/>
-              </a:rPr>
-              <a:t>을 매칭시키는 것과 다르게</a:t>
-            </a:r>
-            <a:r>
-              <a:rPr lang="en-US" altLang="ko-KR" sz="1600" dirty="0" smtClean="0">
-                <a:effectLst/>
-              </a:rPr>
-              <a:t>,</a:t>
-            </a:r>
-          </a:p>
-          <a:p>
-            <a:r>
-              <a:rPr lang="en-US" altLang="ko-KR" sz="1600" dirty="0" smtClean="0">
-                <a:effectLst/>
-              </a:rPr>
-              <a:t>\b </a:t>
-            </a:r>
-            <a:r>
-              <a:rPr lang="ko-KR" altLang="en-US" sz="1600" dirty="0" smtClean="0">
-                <a:effectLst/>
-              </a:rPr>
-              <a:t>는 단어의 </a:t>
-            </a:r>
-            <a:r>
-              <a:rPr lang="en-US" altLang="ko-KR" sz="1600" dirty="0" smtClean="0">
-                <a:effectLst/>
-              </a:rPr>
-              <a:t>`</a:t>
-            </a:r>
-            <a:r>
-              <a:rPr lang="ko-KR" altLang="en-US" sz="1600" dirty="0" smtClean="0">
-                <a:effectLst/>
-              </a:rPr>
-              <a:t>경계</a:t>
-            </a:r>
-            <a:r>
-              <a:rPr lang="en-US" altLang="ko-KR" sz="1600" dirty="0" smtClean="0">
-                <a:effectLst/>
-              </a:rPr>
-              <a:t>` </a:t>
-            </a:r>
-            <a:r>
-              <a:rPr lang="ko-KR" altLang="en-US" sz="1600" dirty="0" smtClean="0">
-                <a:effectLst/>
-              </a:rPr>
-              <a:t>위치를 가리킨다</a:t>
-            </a:r>
-            <a:r>
-              <a:rPr lang="en-US" altLang="ko-KR" sz="1600" dirty="0" smtClean="0">
-                <a:effectLst/>
-              </a:rPr>
-              <a:t>. (b = boundary </a:t>
-            </a:r>
-            <a:r>
-              <a:rPr lang="ko-KR" altLang="en-US" sz="1600" dirty="0" smtClean="0">
-                <a:effectLst/>
-              </a:rPr>
-              <a:t>를 의미한다</a:t>
-            </a:r>
-            <a:r>
-              <a:rPr lang="en-US" altLang="ko-KR" sz="1600" dirty="0" smtClean="0">
-                <a:effectLst/>
-              </a:rPr>
-              <a:t>)</a:t>
-            </a:r>
-          </a:p>
-          <a:p>
-            <a:r>
-              <a:rPr lang="en-US" altLang="ko-KR" sz="1600" dirty="0" smtClean="0">
-                <a:effectLst/>
-              </a:rPr>
-              <a:t/>
-            </a:r>
-            <a:br>
-              <a:rPr lang="en-US" altLang="ko-KR" sz="1600" dirty="0" smtClean="0">
-                <a:effectLst/>
-              </a:rPr>
-            </a:br>
-            <a:endParaRPr lang="en-US" altLang="ko-KR" sz="1600" dirty="0" smtClean="0">
-              <a:effectLst/>
+              <a:rPr lang="ko-KR" altLang="en-US" dirty="0" smtClean="0"/>
+              <a:t>특수기호로 끝나는 단어 찾기</a:t>
+            </a:r>
+            <a:endParaRPr lang="ko-KR" altLang="en-US" dirty="0"/>
+          </a:p>
+        </p:txBody>
+      </p:sp>
+      <p:sp>
+        <p:nvSpPr>
+          <p:cNvPr id="3" name="슬라이드 번호 개체 틀 2"/>
+          <p:cNvSpPr>
+            <a:spLocks noGrp="1"/>
+          </p:cNvSpPr>
+          <p:nvPr>
+            <p:ph type="sldNum" sz="quarter" idx="12"/>
+          </p:nvPr>
+        </p:nvSpPr>
+        <p:spPr/>
+        <p:txBody>
+          <a:bodyPr/>
+          <a:lstStyle/>
+          <a:p>
+            <a:fld id="{44CD35DA-7DA3-4004-95B7-1DAC72F1C791}" type="slidenum">
+              <a:rPr lang="ko-KR" altLang="en-US" smtClean="0">
+                <a:solidFill>
+                  <a:prstClr val="white"/>
+                </a:solidFill>
+              </a:rPr>
+              <a:pPr/>
+              <a:t>13</a:t>
+            </a:fld>
+            <a:endParaRPr lang="ko-KR" altLang="en-US" dirty="0">
+              <a:solidFill>
+                <a:prstClr val="white"/>
+              </a:solidFill>
             </a:endParaRPr>
-          </a:p>
-          <a:p>
-            <a:r>
-              <a:rPr lang="ko-KR" altLang="en-US" sz="1600" dirty="0" smtClean="0">
-                <a:effectLst/>
-              </a:rPr>
-              <a:t>여기서 </a:t>
-            </a:r>
-            <a:r>
-              <a:rPr lang="en-US" altLang="ko-KR" sz="1600" dirty="0" smtClean="0">
-                <a:effectLst/>
-              </a:rPr>
-              <a:t>'</a:t>
-            </a:r>
-            <a:r>
-              <a:rPr lang="ko-KR" altLang="en-US" sz="1600" dirty="0" smtClean="0">
-                <a:effectLst/>
-              </a:rPr>
-              <a:t>단어</a:t>
-            </a:r>
-            <a:r>
-              <a:rPr lang="en-US" altLang="ko-KR" sz="1600" dirty="0" smtClean="0">
-                <a:effectLst/>
-              </a:rPr>
-              <a:t>'</a:t>
-            </a:r>
-            <a:r>
-              <a:rPr lang="ko-KR" altLang="en-US" sz="1600" dirty="0" smtClean="0">
-                <a:effectLst/>
-              </a:rPr>
-              <a:t>는 </a:t>
-            </a:r>
-            <a:r>
-              <a:rPr lang="en-US" altLang="ko-KR" sz="1600" dirty="0" smtClean="0">
-                <a:effectLst/>
-              </a:rPr>
-              <a:t>\w </a:t>
-            </a:r>
-            <a:r>
-              <a:rPr lang="ko-KR" altLang="en-US" sz="1600" dirty="0" smtClean="0">
-                <a:effectLst/>
-              </a:rPr>
-              <a:t>와 일치하며 </a:t>
-            </a:r>
-            <a:r>
-              <a:rPr lang="en-US" altLang="ko-KR" sz="1600" dirty="0" smtClean="0">
-                <a:effectLst/>
-              </a:rPr>
-              <a:t>[a-zA-Z0-9_]</a:t>
-            </a:r>
-            <a:r>
-              <a:rPr lang="ko-KR" altLang="en-US" sz="1600" dirty="0" smtClean="0">
-                <a:effectLst/>
-              </a:rPr>
-              <a:t>와 동일하다</a:t>
-            </a:r>
-            <a:r>
-              <a:rPr lang="en-US" altLang="ko-KR" sz="1600" dirty="0" smtClean="0">
-                <a:effectLst/>
-              </a:rPr>
-              <a:t>.</a:t>
-            </a:r>
-          </a:p>
-          <a:p>
-            <a:r>
-              <a:rPr lang="ko-KR" altLang="en-US" sz="1600" dirty="0" smtClean="0">
-                <a:effectLst/>
-              </a:rPr>
-              <a:t>즉</a:t>
-            </a:r>
-            <a:r>
-              <a:rPr lang="en-US" altLang="ko-KR" sz="1600" dirty="0" smtClean="0">
-                <a:effectLst/>
-              </a:rPr>
-              <a:t>, </a:t>
-            </a:r>
-            <a:r>
-              <a:rPr lang="ko-KR" altLang="en-US" sz="1600" dirty="0" smtClean="0">
-                <a:effectLst/>
-              </a:rPr>
-              <a:t>단어와 단어가 아닌 문자와의 사이를 가리키는 것이다</a:t>
-            </a:r>
-            <a:r>
-              <a:rPr lang="en-US" altLang="ko-KR" sz="1600" dirty="0" smtClean="0">
-                <a:effectLst/>
-              </a:rPr>
-              <a:t>.</a:t>
-            </a:r>
-          </a:p>
-          <a:p>
-            <a:r>
-              <a:rPr lang="en-US" altLang="ko-KR" sz="1600" dirty="0" smtClean="0">
-                <a:effectLst/>
-              </a:rPr>
-              <a:t/>
-            </a:r>
-            <a:br>
-              <a:rPr lang="en-US" altLang="ko-KR" sz="1600" dirty="0" smtClean="0">
-                <a:effectLst/>
-              </a:rPr>
-            </a:br>
-            <a:endParaRPr lang="en-US" altLang="ko-KR" sz="1600" dirty="0" smtClean="0">
-              <a:effectLst/>
-            </a:endParaRPr>
-          </a:p>
-          <a:p>
-            <a:r>
-              <a:rPr lang="ko-KR" altLang="en-US" sz="1600" dirty="0" smtClean="0">
-                <a:effectLst/>
-              </a:rPr>
-              <a:t>위치를 가리키는 것이기 때문에</a:t>
-            </a:r>
-            <a:r>
-              <a:rPr lang="en-US" altLang="ko-KR" sz="1600" dirty="0" smtClean="0">
-                <a:effectLst/>
-              </a:rPr>
-              <a:t>, </a:t>
-            </a:r>
-            <a:r>
-              <a:rPr lang="ko-KR" altLang="en-US" sz="1600" dirty="0" smtClean="0">
-                <a:effectLst/>
-              </a:rPr>
-              <a:t>패턴이 일치하더라도 매치되는 길이는 </a:t>
-            </a:r>
-            <a:r>
-              <a:rPr lang="en-US" altLang="ko-KR" sz="1600" dirty="0" smtClean="0">
-                <a:effectLst/>
-              </a:rPr>
-              <a:t>0</a:t>
-            </a:r>
-            <a:r>
-              <a:rPr lang="ko-KR" altLang="en-US" sz="1600" dirty="0" smtClean="0">
-                <a:effectLst/>
-              </a:rPr>
-              <a:t>이다</a:t>
-            </a:r>
-            <a:r>
-              <a:rPr lang="en-US" altLang="ko-KR" sz="1600" dirty="0" smtClean="0">
-                <a:effectLst/>
-              </a:rPr>
-              <a:t>.</a:t>
-            </a:r>
-          </a:p>
-          <a:p>
-            <a:r>
-              <a:rPr lang="ko-KR" altLang="en-US" sz="1600" dirty="0" smtClean="0">
-                <a:effectLst/>
-              </a:rPr>
-              <a:t>이런 이유 때문에 좀 헷갈리는데</a:t>
-            </a:r>
-            <a:r>
-              <a:rPr lang="en-US" altLang="ko-KR" sz="1600" dirty="0" smtClean="0">
-                <a:effectLst/>
-              </a:rPr>
-              <a:t>, </a:t>
-            </a:r>
-            <a:r>
-              <a:rPr lang="ko-KR" altLang="en-US" sz="1600" dirty="0" smtClean="0">
-                <a:effectLst/>
-              </a:rPr>
-              <a:t>문장에서 각 단어의 경계를 표시해보면 쉽게 이해할 수 있다</a:t>
-            </a:r>
-            <a:r>
-              <a:rPr lang="en-US" altLang="ko-KR" sz="1600" dirty="0" smtClean="0">
-                <a:effectLst/>
-              </a:rPr>
-              <a:t>.</a:t>
-            </a:r>
-          </a:p>
-          <a:p>
-            <a:r>
-              <a:rPr lang="en-US" altLang="ko-KR" sz="1600" dirty="0" smtClean="0">
-                <a:effectLst/>
-              </a:rPr>
-              <a:t/>
-            </a:r>
-            <a:br>
-              <a:rPr lang="en-US" altLang="ko-KR" sz="1600" dirty="0" smtClean="0">
-                <a:effectLst/>
-              </a:rPr>
-            </a:br>
-            <a:endParaRPr lang="en-US" altLang="ko-KR" sz="1600" dirty="0" smtClean="0">
-              <a:effectLst/>
-            </a:endParaRPr>
-          </a:p>
-          <a:p>
-            <a:r>
-              <a:rPr lang="ko-KR" altLang="en-US" sz="1600" dirty="0"/>
-              <a:t> </a:t>
-            </a:r>
-            <a:r>
-              <a:rPr lang="en-US" altLang="ko-KR" sz="1600" dirty="0" smtClean="0"/>
-              <a:t>Raindrops </a:t>
-            </a:r>
-            <a:r>
-              <a:rPr lang="en-US" altLang="ko-KR" sz="1600" dirty="0"/>
-              <a:t>on roses, and whiskers on kittens.</a:t>
-            </a:r>
-            <a:endParaRPr lang="ko-KR" altLang="en-US" sz="1600" dirty="0"/>
-          </a:p>
-          <a:p>
-            <a:r>
-              <a:rPr lang="ko-KR" altLang="en-US" sz="1600" dirty="0"/>
-              <a:t/>
-            </a:r>
-            <a:br>
-              <a:rPr lang="ko-KR" altLang="en-US" sz="1600" dirty="0"/>
-            </a:br>
-            <a:r>
-              <a:rPr lang="ko-KR" altLang="en-US" sz="1600" dirty="0" smtClean="0"/>
-              <a:t>위 </a:t>
-            </a:r>
-            <a:r>
-              <a:rPr lang="ko-KR" altLang="en-US" sz="1600" dirty="0"/>
-              <a:t>문장에서 단어의 경계</a:t>
-            </a:r>
-            <a:r>
-              <a:rPr lang="en-US" altLang="ko-KR" sz="1600" dirty="0"/>
-              <a:t>, </a:t>
-            </a:r>
-            <a:r>
-              <a:rPr lang="ko-KR" altLang="en-US" sz="1600" dirty="0"/>
-              <a:t>즉 메타 문자 </a:t>
-            </a:r>
-            <a:r>
-              <a:rPr lang="en-US" altLang="ko-KR" sz="1600" dirty="0"/>
-              <a:t>\b </a:t>
-            </a:r>
-            <a:r>
-              <a:rPr lang="ko-KR" altLang="en-US" sz="1600" dirty="0"/>
-              <a:t>는 아래와 같이 </a:t>
-            </a:r>
-            <a:r>
-              <a:rPr lang="en-US" altLang="ko-KR" sz="1600" dirty="0"/>
-              <a:t>|</a:t>
-            </a:r>
-            <a:r>
-              <a:rPr lang="ko-KR" altLang="en-US" sz="1600" dirty="0"/>
-              <a:t> 를 표시한 위치를 가리킨다</a:t>
-            </a:r>
-            <a:r>
-              <a:rPr lang="en-US" altLang="ko-KR" sz="1600" dirty="0"/>
-              <a:t>.</a:t>
-            </a:r>
-          </a:p>
-          <a:p>
-            <a:endParaRPr lang="en-US" altLang="ko-KR" sz="1600" dirty="0"/>
-          </a:p>
-          <a:p>
-            <a:r>
-              <a:rPr lang="ko-KR" altLang="en-US" sz="1600" dirty="0"/>
-              <a:t>  </a:t>
-            </a:r>
-            <a:r>
-              <a:rPr lang="en-US" altLang="ko-KR" sz="1600" dirty="0"/>
-              <a:t>|Raindrops| |on| |roses|, |and| |whiskers| |on| |kittens</a:t>
-            </a:r>
-            <a:r>
-              <a:rPr lang="en-US" altLang="ko-KR" sz="1600" dirty="0" smtClean="0"/>
-              <a:t>|.</a:t>
-            </a:r>
-          </a:p>
-          <a:p>
-            <a:endParaRPr lang="en-US" altLang="ko-KR" sz="1600" dirty="0" smtClean="0"/>
-          </a:p>
-          <a:p>
-            <a:r>
-              <a:rPr lang="ko-KR" altLang="en-US" sz="1600" dirty="0" smtClean="0"/>
-              <a:t>이 문장에서  </a:t>
-            </a:r>
-            <a:r>
-              <a:rPr lang="en-US" altLang="ko-KR" sz="1600" dirty="0" smtClean="0"/>
-              <a:t>/\</a:t>
-            </a:r>
-            <a:r>
-              <a:rPr lang="en-US" altLang="ko-KR" sz="1600" dirty="0" err="1" smtClean="0"/>
-              <a:t>bo</a:t>
-            </a:r>
-            <a:r>
-              <a:rPr lang="en-US" altLang="ko-KR" sz="1600" dirty="0" smtClean="0"/>
-              <a:t>.\b/</a:t>
-            </a:r>
-            <a:r>
-              <a:rPr lang="ko-KR" altLang="en-US" sz="1600" dirty="0" smtClean="0"/>
-              <a:t> 를 </a:t>
-            </a:r>
-            <a:r>
-              <a:rPr lang="ko-KR" altLang="en-US" sz="1600" dirty="0" err="1" smtClean="0"/>
-              <a:t>매치시킨</a:t>
-            </a:r>
-            <a:r>
-              <a:rPr lang="ko-KR" altLang="en-US" sz="1600" dirty="0" smtClean="0"/>
-              <a:t> 결과는 다음과 같다</a:t>
-            </a:r>
-            <a:r>
-              <a:rPr lang="en-US" altLang="ko-KR" sz="1600" dirty="0" smtClean="0"/>
-              <a:t>.</a:t>
-            </a:r>
-          </a:p>
-          <a:p>
-            <a:r>
-              <a:rPr lang="en-US" altLang="ko-KR" sz="1600" dirty="0" smtClean="0"/>
-              <a:t/>
-            </a:r>
-            <a:br>
-              <a:rPr lang="en-US" altLang="ko-KR" sz="1600" dirty="0" smtClean="0"/>
-            </a:br>
-            <a:r>
-              <a:rPr lang="ko-KR" altLang="en-US" sz="1600" dirty="0" smtClean="0"/>
-              <a:t>  </a:t>
-            </a:r>
-            <a:r>
-              <a:rPr lang="en-US" altLang="ko-KR" sz="1600" dirty="0" smtClean="0"/>
-              <a:t>|Raindrops| |on| |roses|, |and| |whiskers| |on| |kittens|.</a:t>
-            </a:r>
-            <a:endParaRPr lang="ko-KR" altLang="en-US" sz="1600" dirty="0" smtClean="0"/>
-          </a:p>
-          <a:p>
-            <a:endParaRPr lang="ko-KR" altLang="en-US" sz="1600" dirty="0" smtClean="0"/>
-          </a:p>
-          <a:p>
-            <a:r>
-              <a:rPr lang="ko-KR" altLang="en-US" sz="1600" dirty="0" smtClean="0"/>
-              <a:t>패턴이 단어의 경계 사이에 있는 </a:t>
-            </a:r>
-            <a:r>
-              <a:rPr lang="en-US" altLang="ko-KR" sz="1600" dirty="0" smtClean="0"/>
-              <a:t>o</a:t>
-            </a:r>
-            <a:r>
-              <a:rPr lang="ko-KR" altLang="en-US" sz="1600" dirty="0" smtClean="0"/>
-              <a:t>와 나머지 한 문자를 나타내기 때문이다</a:t>
-            </a:r>
-            <a:r>
-              <a:rPr lang="en-US" altLang="ko-KR" sz="1600" dirty="0" smtClean="0"/>
-              <a:t>.</a:t>
-            </a:r>
           </a:p>
         </p:txBody>
       </p:sp>
     </p:spTree>
     <p:extLst>
       <p:ext uri="{BB962C8B-B14F-4D97-AF65-F5344CB8AC3E}">
-        <p14:creationId xmlns:p14="http://schemas.microsoft.com/office/powerpoint/2010/main" val="311014101"/>
+        <p14:creationId xmlns:p14="http://schemas.microsoft.com/office/powerpoint/2010/main" val="1286104489"/>
       </p:ext>
     </p:extLst>
   </p:cSld>
@@ -9119,463 +9054,59 @@
       </p:grpSpPr>
       <p:sp>
         <p:nvSpPr>
-          <p:cNvPr id="2" name="TextBox 1"/>
-          <p:cNvSpPr txBox="1"/>
-          <p:nvPr/>
-        </p:nvSpPr>
-        <p:spPr>
-          <a:xfrm>
-            <a:off x="251520" y="332656"/>
-            <a:ext cx="8784976" cy="5632311"/>
-          </a:xfrm>
-          <a:prstGeom prst="rect">
-            <a:avLst/>
-          </a:prstGeom>
-          <a:noFill/>
-        </p:spPr>
-        <p:txBody>
-          <a:bodyPr wrap="square" rtlCol="0">
-            <a:spAutoFit/>
-          </a:bodyPr>
+          <p:cNvPr id="2" name="내용 개체 틀 1"/>
+          <p:cNvSpPr>
+            <a:spLocks noGrp="1"/>
+          </p:cNvSpPr>
+          <p:nvPr>
+            <p:ph idx="1"/>
+          </p:nvPr>
+        </p:nvSpPr>
+        <p:spPr/>
+        <p:txBody>
+          <a:bodyPr/>
           <a:lstStyle/>
           <a:p>
-            <a:r>
-              <a:rPr lang="en-US" altLang="ko-KR" sz="1600" dirty="0" smtClean="0"/>
-              <a:t>\B </a:t>
-            </a:r>
-            <a:r>
-              <a:rPr lang="ko-KR" altLang="en-US" sz="1600" dirty="0" smtClean="0"/>
-              <a:t>는 </a:t>
-            </a:r>
-            <a:r>
-              <a:rPr lang="en-US" altLang="ko-KR" sz="1600" dirty="0" smtClean="0"/>
-              <a:t>\b</a:t>
-            </a:r>
-            <a:r>
-              <a:rPr lang="ko-KR" altLang="en-US" sz="1600" dirty="0" smtClean="0"/>
-              <a:t>와 반대로 동작하는데</a:t>
-            </a:r>
-            <a:r>
-              <a:rPr lang="en-US" altLang="ko-KR" sz="1600" dirty="0" smtClean="0"/>
-              <a:t>, </a:t>
-            </a:r>
-            <a:r>
-              <a:rPr lang="ko-KR" altLang="en-US" sz="1600" dirty="0" smtClean="0"/>
-              <a:t>이것도 각 위치를 표시해보면 이해하기 쉽다</a:t>
-            </a:r>
-            <a:r>
-              <a:rPr lang="en-US" altLang="ko-KR" sz="1600" dirty="0" smtClean="0"/>
-              <a:t>.</a:t>
-            </a:r>
-          </a:p>
-          <a:p>
-            <a:r>
-              <a:rPr lang="en-US" altLang="ko-KR" sz="1600" dirty="0" smtClean="0"/>
-              <a:t/>
-            </a:r>
-            <a:br>
-              <a:rPr lang="en-US" altLang="ko-KR" sz="1600" dirty="0" smtClean="0"/>
-            </a:br>
-            <a:r>
-              <a:rPr lang="ko-KR" altLang="en-US" sz="1600" dirty="0" smtClean="0"/>
-              <a:t>  </a:t>
-            </a:r>
-            <a:r>
-              <a:rPr lang="en-US" altLang="ko-KR" sz="1600" dirty="0" err="1" smtClean="0"/>
-              <a:t>R|a|i|n|d|r|o|p|s</a:t>
-            </a:r>
-            <a:r>
-              <a:rPr lang="en-US" altLang="ko-KR" sz="1600" dirty="0" smtClean="0"/>
-              <a:t> </a:t>
-            </a:r>
-            <a:r>
-              <a:rPr lang="en-US" altLang="ko-KR" sz="1600" dirty="0" err="1" smtClean="0"/>
-              <a:t>o|n</a:t>
-            </a:r>
-            <a:r>
-              <a:rPr lang="en-US" altLang="ko-KR" sz="1600" dirty="0" smtClean="0"/>
-              <a:t> </a:t>
-            </a:r>
-            <a:r>
-              <a:rPr lang="en-US" altLang="ko-KR" sz="1600" dirty="0" err="1" smtClean="0"/>
-              <a:t>r|o|s|e|s</a:t>
-            </a:r>
-            <a:r>
-              <a:rPr lang="en-US" altLang="ko-KR" sz="1600" dirty="0" smtClean="0"/>
-              <a:t>, </a:t>
-            </a:r>
-            <a:r>
-              <a:rPr lang="en-US" altLang="ko-KR" sz="1600" dirty="0" err="1" smtClean="0"/>
-              <a:t>a|n|d</a:t>
-            </a:r>
-            <a:r>
-              <a:rPr lang="en-US" altLang="ko-KR" sz="1600" dirty="0" smtClean="0"/>
-              <a:t> </a:t>
-            </a:r>
-            <a:r>
-              <a:rPr lang="en-US" altLang="ko-KR" sz="1600" dirty="0" err="1" smtClean="0"/>
-              <a:t>w|h|i|s|k|e|r|s</a:t>
-            </a:r>
-            <a:r>
-              <a:rPr lang="en-US" altLang="ko-KR" sz="1600" dirty="0" smtClean="0"/>
-              <a:t> </a:t>
-            </a:r>
-            <a:r>
-              <a:rPr lang="en-US" altLang="ko-KR" sz="1600" dirty="0" err="1" smtClean="0"/>
-              <a:t>o|n</a:t>
-            </a:r>
-            <a:r>
-              <a:rPr lang="en-US" altLang="ko-KR" sz="1600" dirty="0" smtClean="0"/>
-              <a:t> </a:t>
-            </a:r>
-            <a:r>
-              <a:rPr lang="en-US" altLang="ko-KR" sz="1600" dirty="0" err="1" smtClean="0"/>
-              <a:t>k|i|t|t|e|n|s</a:t>
-            </a:r>
-            <a:r>
-              <a:rPr lang="en-US" altLang="ko-KR" sz="1600" dirty="0" smtClean="0"/>
-              <a:t>.</a:t>
-            </a:r>
-            <a:endParaRPr lang="ko-KR" altLang="en-US" sz="1600" dirty="0" smtClean="0"/>
-          </a:p>
-          <a:p>
-            <a:r>
-              <a:rPr lang="ko-KR" altLang="en-US" sz="1600" dirty="0" smtClean="0"/>
-              <a:t/>
-            </a:r>
-            <a:br>
-              <a:rPr lang="ko-KR" altLang="en-US" sz="1600" dirty="0" smtClean="0"/>
-            </a:br>
-            <a:r>
-              <a:rPr lang="ko-KR" altLang="en-US" sz="1600" dirty="0" smtClean="0"/>
-              <a:t>따라서</a:t>
-            </a:r>
-            <a:r>
-              <a:rPr lang="en-US" altLang="ko-KR" sz="1600" dirty="0" smtClean="0"/>
-              <a:t>, /\Bo.\B/</a:t>
-            </a:r>
-            <a:r>
-              <a:rPr lang="ko-KR" altLang="en-US" sz="1600" dirty="0" smtClean="0"/>
-              <a:t> 와 </a:t>
-            </a:r>
-            <a:r>
-              <a:rPr lang="ko-KR" altLang="en-US" sz="1600" dirty="0" err="1" smtClean="0"/>
-              <a:t>매치시키면</a:t>
-            </a:r>
-            <a:r>
-              <a:rPr lang="ko-KR" altLang="en-US" sz="1600" dirty="0" smtClean="0"/>
-              <a:t> 아래와 같다</a:t>
-            </a:r>
-            <a:r>
-              <a:rPr lang="en-US" altLang="ko-KR" sz="1600" dirty="0" smtClean="0"/>
-              <a:t>.</a:t>
-            </a:r>
-          </a:p>
-          <a:p>
-            <a:endParaRPr lang="en-US" altLang="ko-KR" sz="1600" dirty="0" smtClean="0"/>
-          </a:p>
-          <a:p>
-            <a:r>
-              <a:rPr lang="ko-KR" altLang="en-US" sz="1600" dirty="0" smtClean="0"/>
-              <a:t>  </a:t>
-            </a:r>
-            <a:r>
-              <a:rPr lang="en-US" altLang="ko-KR" sz="1600" dirty="0" err="1" smtClean="0"/>
-              <a:t>R|a|i|n|d|r|o|p|s</a:t>
-            </a:r>
-            <a:r>
-              <a:rPr lang="en-US" altLang="ko-KR" sz="1600" dirty="0" smtClean="0"/>
-              <a:t> </a:t>
-            </a:r>
-            <a:r>
-              <a:rPr lang="en-US" altLang="ko-KR" sz="1600" dirty="0" err="1" smtClean="0"/>
-              <a:t>o|n</a:t>
-            </a:r>
-            <a:r>
-              <a:rPr lang="en-US" altLang="ko-KR" sz="1600" dirty="0" smtClean="0"/>
-              <a:t> </a:t>
-            </a:r>
-            <a:r>
-              <a:rPr lang="en-US" altLang="ko-KR" sz="1600" dirty="0" err="1" smtClean="0"/>
-              <a:t>r|o|s|e|s</a:t>
-            </a:r>
-            <a:r>
-              <a:rPr lang="en-US" altLang="ko-KR" sz="1600" dirty="0" smtClean="0"/>
-              <a:t>, </a:t>
-            </a:r>
-            <a:r>
-              <a:rPr lang="en-US" altLang="ko-KR" sz="1600" dirty="0" err="1" smtClean="0"/>
-              <a:t>a|n|d</a:t>
-            </a:r>
-            <a:r>
-              <a:rPr lang="en-US" altLang="ko-KR" sz="1600" dirty="0" smtClean="0"/>
-              <a:t> </a:t>
-            </a:r>
-            <a:r>
-              <a:rPr lang="en-US" altLang="ko-KR" sz="1600" dirty="0" err="1" smtClean="0"/>
-              <a:t>w|h|i|s|k|e|r|s</a:t>
-            </a:r>
-            <a:r>
-              <a:rPr lang="en-US" altLang="ko-KR" sz="1600" dirty="0" smtClean="0"/>
-              <a:t> </a:t>
-            </a:r>
-            <a:r>
-              <a:rPr lang="en-US" altLang="ko-KR" sz="1600" dirty="0" err="1" smtClean="0"/>
-              <a:t>o|n</a:t>
-            </a:r>
-            <a:r>
-              <a:rPr lang="en-US" altLang="ko-KR" sz="1600" dirty="0" smtClean="0"/>
-              <a:t> </a:t>
-            </a:r>
-            <a:r>
-              <a:rPr lang="en-US" altLang="ko-KR" sz="1600" dirty="0" err="1" smtClean="0"/>
-              <a:t>k|i|t|t|e|n|s</a:t>
-            </a:r>
-            <a:r>
-              <a:rPr lang="en-US" altLang="ko-KR" sz="1600" dirty="0" smtClean="0"/>
-              <a:t>.</a:t>
-            </a:r>
-            <a:endParaRPr lang="ko-KR" altLang="en-US" sz="1600" dirty="0" smtClean="0"/>
-          </a:p>
-          <a:p>
-            <a:endParaRPr lang="en-US" altLang="ko-KR" sz="1600" dirty="0" smtClean="0"/>
-          </a:p>
-          <a:p>
-            <a:r>
-              <a:rPr lang="ko-KR" altLang="en-US" sz="1600" dirty="0" smtClean="0"/>
-              <a:t>주의할 것은</a:t>
-            </a:r>
-            <a:r>
-              <a:rPr lang="en-US" altLang="ko-KR" sz="1600" dirty="0" smtClean="0"/>
-              <a:t>, </a:t>
-            </a:r>
-            <a:r>
-              <a:rPr lang="ko-KR" altLang="en-US" sz="1600" dirty="0" smtClean="0"/>
-              <a:t>정규식에서의 </a:t>
-            </a:r>
-            <a:r>
-              <a:rPr lang="en-US" altLang="ko-KR" sz="1600" dirty="0" smtClean="0"/>
-              <a:t>'</a:t>
-            </a:r>
-            <a:r>
-              <a:rPr lang="ko-KR" altLang="en-US" sz="1600" dirty="0" smtClean="0"/>
-              <a:t>단어</a:t>
-            </a:r>
-            <a:r>
-              <a:rPr lang="en-US" altLang="ko-KR" sz="1600" dirty="0" smtClean="0"/>
-              <a:t>'</a:t>
-            </a:r>
-            <a:r>
-              <a:rPr lang="ko-KR" altLang="en-US" sz="1600" dirty="0" smtClean="0"/>
-              <a:t>는 한글과 같은 </a:t>
-            </a:r>
-            <a:r>
-              <a:rPr lang="en-US" altLang="ko-KR" sz="1600" dirty="0" smtClean="0"/>
-              <a:t>2</a:t>
-            </a:r>
-            <a:r>
-              <a:rPr lang="ko-KR" altLang="en-US" sz="1600" dirty="0" smtClean="0"/>
-              <a:t>바이트 문자를 포함하지 않기 때문에</a:t>
-            </a:r>
-            <a:r>
-              <a:rPr lang="en-US" altLang="ko-KR" sz="1600" dirty="0" smtClean="0"/>
-              <a:t>,</a:t>
-            </a:r>
-          </a:p>
-          <a:p>
-            <a:r>
-              <a:rPr lang="ko-KR" altLang="en-US" sz="1600" dirty="0" smtClean="0"/>
-              <a:t>한글의 경계는 </a:t>
-            </a:r>
-            <a:r>
-              <a:rPr lang="en-US" altLang="ko-KR" sz="1600" dirty="0" smtClean="0"/>
-              <a:t>\b</a:t>
-            </a:r>
-            <a:r>
-              <a:rPr lang="ko-KR" altLang="en-US" sz="1600" dirty="0" smtClean="0"/>
-              <a:t>로 처리할 수 없다는 것이다</a:t>
-            </a:r>
-            <a:r>
-              <a:rPr lang="en-US" altLang="ko-KR" sz="1600" dirty="0" smtClean="0"/>
-              <a:t>.</a:t>
-            </a:r>
-          </a:p>
-          <a:p>
-            <a:r>
-              <a:rPr lang="en-US" altLang="ko-KR" sz="1600" dirty="0" smtClean="0"/>
-              <a:t/>
-            </a:r>
-            <a:br>
-              <a:rPr lang="en-US" altLang="ko-KR" sz="1600" dirty="0" smtClean="0"/>
-            </a:br>
-            <a:endParaRPr lang="en-US" altLang="ko-KR" sz="1600" dirty="0" smtClean="0"/>
-          </a:p>
-          <a:p>
-            <a:r>
-              <a:rPr lang="ko-KR" altLang="en-US" sz="1600" dirty="0" smtClean="0"/>
-              <a:t>한글의 경계를 판단하려면</a:t>
-            </a:r>
-            <a:r>
-              <a:rPr lang="en-US" altLang="ko-KR" sz="1600" dirty="0" smtClean="0"/>
-              <a:t>, </a:t>
-            </a:r>
-            <a:r>
-              <a:rPr lang="ko-KR" altLang="en-US" sz="1600" dirty="0" smtClean="0"/>
-              <a:t>전후방탐색으로 한글이 아닌 문자와의 경계를 판단하는 것이 좋다</a:t>
-            </a:r>
-            <a:r>
-              <a:rPr lang="en-US" altLang="ko-KR" sz="1600" dirty="0" smtClean="0"/>
-              <a:t>.</a:t>
-            </a:r>
-          </a:p>
-          <a:p>
-            <a:r>
-              <a:rPr lang="en-US" altLang="ko-KR" sz="1600" dirty="0" smtClean="0"/>
-              <a:t/>
-            </a:r>
-            <a:br>
-              <a:rPr lang="en-US" altLang="ko-KR" sz="1600" dirty="0" smtClean="0"/>
-            </a:br>
-            <a:endParaRPr lang="en-US" altLang="ko-KR" sz="1600" dirty="0" smtClean="0"/>
-          </a:p>
-          <a:p>
-            <a:r>
-              <a:rPr lang="ko-KR" altLang="en-US" sz="1600" dirty="0" smtClean="0"/>
-              <a:t>  </a:t>
-            </a:r>
-            <a:r>
-              <a:rPr lang="en-US" altLang="ko-KR" sz="1600" dirty="0" smtClean="0"/>
-              <a:t>/(?&lt;=[^</a:t>
-            </a:r>
-            <a:r>
-              <a:rPr lang="ko-KR" altLang="en-US" sz="1600" dirty="0" smtClean="0"/>
-              <a:t>가</a:t>
-            </a:r>
-            <a:r>
-              <a:rPr lang="en-US" altLang="ko-KR" sz="1600" dirty="0" smtClean="0"/>
-              <a:t>-</a:t>
-            </a:r>
-            <a:r>
-              <a:rPr lang="ko-KR" altLang="en-US" sz="1600" dirty="0" err="1" smtClean="0"/>
-              <a:t>힣</a:t>
-            </a:r>
-            <a:r>
-              <a:rPr lang="en-US" altLang="ko-KR" sz="1600" dirty="0" smtClean="0"/>
-              <a:t>])</a:t>
-            </a:r>
-            <a:r>
-              <a:rPr lang="ko-KR" altLang="en-US" sz="1600" dirty="0" smtClean="0"/>
-              <a:t>대상문자</a:t>
-            </a:r>
-            <a:r>
-              <a:rPr lang="en-US" altLang="ko-KR" sz="1600" dirty="0" smtClean="0"/>
-              <a:t>(?=[^</a:t>
-            </a:r>
-            <a:r>
-              <a:rPr lang="ko-KR" altLang="en-US" sz="1600" dirty="0" smtClean="0"/>
-              <a:t>가</a:t>
-            </a:r>
-            <a:r>
-              <a:rPr lang="en-US" altLang="ko-KR" sz="1600" dirty="0" smtClean="0"/>
-              <a:t>-</a:t>
-            </a:r>
-            <a:r>
-              <a:rPr lang="ko-KR" altLang="en-US" sz="1600" dirty="0" err="1" smtClean="0"/>
-              <a:t>힣</a:t>
-            </a:r>
-            <a:r>
-              <a:rPr lang="en-US" altLang="ko-KR" sz="1600" dirty="0" smtClean="0"/>
-              <a:t>])/</a:t>
-            </a:r>
-            <a:endParaRPr lang="ko-KR" altLang="en-US" sz="1600" dirty="0" smtClean="0"/>
-          </a:p>
-          <a:p>
-            <a:r>
-              <a:rPr lang="ko-KR" altLang="en-US" sz="1600" dirty="0" smtClean="0"/>
-              <a:t>  </a:t>
-            </a:r>
-            <a:r>
-              <a:rPr lang="en-US" altLang="ko-KR" sz="1600" dirty="0" smtClean="0"/>
-              <a:t>(</a:t>
-            </a:r>
-            <a:r>
-              <a:rPr lang="ko-KR" altLang="en-US" sz="1600" dirty="0" smtClean="0"/>
-              <a:t>자음과 모음까지 문자로 인식하려고 한다면</a:t>
-            </a:r>
-            <a:r>
-              <a:rPr lang="en-US" altLang="ko-KR" sz="1600" dirty="0" smtClean="0"/>
-              <a:t>, [^</a:t>
-            </a:r>
-            <a:r>
-              <a:rPr lang="ko-KR" altLang="en-US" sz="1600" dirty="0" err="1" smtClean="0"/>
-              <a:t>ㄱ</a:t>
-            </a:r>
-            <a:r>
-              <a:rPr lang="en-US" altLang="ko-KR" sz="1600" dirty="0" smtClean="0"/>
-              <a:t>-</a:t>
-            </a:r>
-            <a:r>
-              <a:rPr lang="ko-KR" altLang="en-US" sz="1600" dirty="0" err="1" smtClean="0"/>
-              <a:t>ㅎㅏ</a:t>
-            </a:r>
-            <a:r>
-              <a:rPr lang="en-US" altLang="ko-KR" sz="1600" dirty="0" smtClean="0"/>
-              <a:t>-</a:t>
-            </a:r>
-            <a:r>
-              <a:rPr lang="ko-KR" altLang="en-US" sz="1600" dirty="0" err="1" smtClean="0"/>
-              <a:t>ㅣ가</a:t>
-            </a:r>
-            <a:r>
-              <a:rPr lang="en-US" altLang="ko-KR" sz="1600" dirty="0" smtClean="0"/>
-              <a:t>-</a:t>
-            </a:r>
-            <a:r>
-              <a:rPr lang="ko-KR" altLang="en-US" sz="1600" dirty="0" err="1" smtClean="0"/>
-              <a:t>힣</a:t>
-            </a:r>
-            <a:r>
-              <a:rPr lang="en-US" altLang="ko-KR" sz="1600" dirty="0" smtClean="0"/>
-              <a:t>]</a:t>
-            </a:r>
-            <a:r>
-              <a:rPr lang="ko-KR" altLang="en-US" sz="1600" dirty="0" smtClean="0"/>
-              <a:t> 를 사용하면 된다</a:t>
-            </a:r>
-            <a:r>
-              <a:rPr lang="en-US" altLang="ko-KR" sz="1600" dirty="0" smtClean="0"/>
-              <a:t>)</a:t>
-            </a:r>
-          </a:p>
-          <a:p>
-            <a:r>
-              <a:rPr lang="ko-KR" altLang="en-US" sz="1600" dirty="0" smtClean="0"/>
-              <a:t/>
-            </a:r>
-            <a:br>
-              <a:rPr lang="ko-KR" altLang="en-US" sz="1600" dirty="0" smtClean="0"/>
-            </a:br>
-            <a:endParaRPr lang="ko-KR" altLang="en-US" sz="1600" dirty="0" smtClean="0"/>
-          </a:p>
-          <a:p>
-            <a:r>
-              <a:rPr lang="ko-KR" altLang="en-US" sz="1600" dirty="0" smtClean="0"/>
-              <a:t/>
-            </a:r>
-            <a:br>
-              <a:rPr lang="ko-KR" altLang="en-US" sz="1600" dirty="0" smtClean="0"/>
-            </a:br>
-            <a:endParaRPr lang="ko-KR" altLang="en-US" sz="1600" dirty="0" smtClean="0"/>
-          </a:p>
-          <a:p>
-            <a:endParaRPr lang="ko-KR" altLang="en-US" sz="1600" dirty="0"/>
+            <a:endParaRPr lang="ko-KR" altLang="en-US"/>
+          </a:p>
+        </p:txBody>
+      </p:sp>
+      <p:sp>
+        <p:nvSpPr>
+          <p:cNvPr id="3" name="슬라이드 번호 개체 틀 2"/>
+          <p:cNvSpPr>
+            <a:spLocks noGrp="1"/>
+          </p:cNvSpPr>
+          <p:nvPr>
+            <p:ph type="sldNum" sz="quarter" idx="12"/>
+          </p:nvPr>
+        </p:nvSpPr>
+        <p:spPr/>
+        <p:txBody>
+          <a:bodyPr/>
+          <a:lstStyle/>
+          <a:p>
+            <a:fld id="{44CD35DA-7DA3-4004-95B7-1DAC72F1C791}" type="slidenum">
+              <a:rPr lang="ko-KR" altLang="en-US" smtClean="0">
+                <a:solidFill>
+                  <a:prstClr val="white"/>
+                </a:solidFill>
+              </a:rPr>
+              <a:pPr/>
+              <a:t>14</a:t>
+            </a:fld>
+            <a:endParaRPr lang="ko-KR" altLang="en-US" dirty="0">
+              <a:solidFill>
+                <a:prstClr val="white"/>
+              </a:solidFill>
+            </a:endParaRPr>
           </a:p>
         </p:txBody>
       </p:sp>
     </p:spTree>
     <p:extLst>
       <p:ext uri="{BB962C8B-B14F-4D97-AF65-F5344CB8AC3E}">
-        <p14:creationId xmlns:p14="http://schemas.microsoft.com/office/powerpoint/2010/main" val="1041024840"/>
+        <p14:creationId xmlns:p14="http://schemas.microsoft.com/office/powerpoint/2010/main" val="1711703599"/>
       </p:ext>
     </p:extLst>
   </p:cSld>
@@ -15588,6 +15119,68 @@
           </a:p>
         </p:txBody>
       </p:sp>
+      <p:pic>
+        <p:nvPicPr>
+          <p:cNvPr id="1026" name="Picture 2"/>
+          <p:cNvPicPr>
+            <a:picLocks noChangeAspect="1" noChangeArrowheads="1"/>
+          </p:cNvPicPr>
+          <p:nvPr/>
+        </p:nvPicPr>
+        <p:blipFill rotWithShape="1">
+          <a:blip r:embed="rId4">
+            <a:extLst>
+              <a:ext uri="{28A0092B-C50C-407E-A947-70E740481C1C}">
+                <a14:useLocalDpi xmlns:a14="http://schemas.microsoft.com/office/drawing/2010/main" val="0"/>
+              </a:ext>
+            </a:extLst>
+          </a:blip>
+          <a:srcRect l="7759" t="69378" r="48181" b="19936"/>
+          <a:stretch/>
+        </p:blipFill>
+        <p:spPr bwMode="auto">
+          <a:xfrm>
+            <a:off x="0" y="2132856"/>
+            <a:ext cx="6680132" cy="1296144"/>
+          </a:xfrm>
+          <a:prstGeom prst="rect">
+            <a:avLst/>
+          </a:prstGeom>
+          <a:noFill/>
+          <a:ln>
+            <a:noFill/>
+          </a:ln>
+          <a:effectLst/>
+          <a:extLst>
+            <a:ext uri="{909E8E84-426E-40DD-AFC4-6F175D3DCCD1}">
+              <a14:hiddenFill xmlns:a14="http://schemas.microsoft.com/office/drawing/2010/main">
+                <a:solidFill>
+                  <a:schemeClr val="accent1"/>
+                </a:solidFill>
+              </a14:hiddenFill>
+            </a:ext>
+            <a:ext uri="{91240B29-F687-4F45-9708-019B960494DF}">
+              <a14:hiddenLine xmlns:a14="http://schemas.microsoft.com/office/drawing/2010/main" w="9525">
+                <a:solidFill>
+                  <a:schemeClr val="tx1"/>
+                </a:solidFill>
+                <a:miter lim="800000"/>
+                <a:headEnd/>
+                <a:tailEnd/>
+              </a14:hiddenLine>
+            </a:ext>
+            <a:ext uri="{AF507438-7753-43E0-B8FC-AC1667EBCBE1}">
+              <a14:hiddenEffects xmlns:a14="http://schemas.microsoft.com/office/drawing/2010/main">
+                <a:effectLst>
+                  <a:outerShdw dist="35921" dir="2700000" algn="ctr" rotWithShape="0">
+                    <a:schemeClr val="bg2"/>
+                  </a:outerShdw>
+                </a:effectLst>
+              </a14:hiddenEffects>
+            </a:ext>
+          </a:extLst>
+        </p:spPr>
+      </p:pic>
     </p:spTree>
     <p:extLst>
       <p:ext uri="{BB962C8B-B14F-4D97-AF65-F5344CB8AC3E}">
@@ -15620,161 +15213,496 @@
       </p:grpSpPr>
       <p:sp>
         <p:nvSpPr>
-          <p:cNvPr id="2" name="내용 개체 틀 1"/>
-          <p:cNvSpPr>
-            <a:spLocks noGrp="1"/>
-          </p:cNvSpPr>
-          <p:nvPr>
-            <p:ph idx="1"/>
-          </p:nvPr>
-        </p:nvSpPr>
-        <p:spPr/>
-        <p:txBody>
-          <a:bodyPr/>
-          <a:lstStyle/>
-          <a:p>
-            <a:r>
-              <a:rPr lang="ko-KR" altLang="en-US" b="1" dirty="0" smtClean="0"/>
-              <a:t>정규식 단어 </a:t>
-            </a:r>
-            <a:r>
-              <a:rPr lang="en-US" altLang="ko-KR" b="1" dirty="0" smtClean="0"/>
-              <a:t>on </a:t>
-            </a:r>
-            <a:r>
-              <a:rPr lang="ko-KR" altLang="en-US" b="1" dirty="0" smtClean="0"/>
-              <a:t>찾기</a:t>
-            </a:r>
-            <a:r>
-              <a:rPr lang="en-US" altLang="ko-KR" b="1" dirty="0" smtClean="0"/>
-              <a:t>- r=</a:t>
-            </a:r>
-            <a:r>
-              <a:rPr lang="en-US" altLang="ko-KR" b="1" dirty="0" err="1" smtClean="0"/>
-              <a:t>re.compile</a:t>
-            </a:r>
-            <a:r>
-              <a:rPr lang="en-US" altLang="ko-KR" b="1" dirty="0" smtClean="0"/>
-              <a:t>(r”\</a:t>
-            </a:r>
-            <a:r>
-              <a:rPr lang="en-US" altLang="ko-KR" b="1" dirty="0" err="1" smtClean="0"/>
-              <a:t>bo</a:t>
-            </a:r>
-            <a:r>
-              <a:rPr lang="en-US" altLang="ko-KR" b="1" dirty="0" smtClean="0"/>
-              <a:t>.\b”) print(</a:t>
-            </a:r>
-            <a:r>
-              <a:rPr lang="en-US" altLang="ko-KR" b="1" dirty="0" err="1" smtClean="0"/>
-              <a:t>r.findall</a:t>
-            </a:r>
-            <a:r>
-              <a:rPr lang="en-US" altLang="ko-KR" b="1" dirty="0" smtClean="0"/>
-              <a:t>(a))</a:t>
-            </a:r>
-            <a:endParaRPr lang="ko-KR" altLang="en-US" b="1" dirty="0"/>
-          </a:p>
-        </p:txBody>
-      </p:sp>
-      <p:sp>
-        <p:nvSpPr>
-          <p:cNvPr id="3" name="슬라이드 번호 개체 틀 2"/>
-          <p:cNvSpPr>
-            <a:spLocks noGrp="1"/>
-          </p:cNvSpPr>
-          <p:nvPr>
-            <p:ph type="sldNum" sz="quarter" idx="12"/>
-          </p:nvPr>
-        </p:nvSpPr>
-        <p:spPr/>
-        <p:txBody>
-          <a:bodyPr/>
-          <a:lstStyle/>
-          <a:p>
-            <a:fld id="{44CD35DA-7DA3-4004-95B7-1DAC72F1C791}" type="slidenum">
-              <a:rPr lang="ko-KR" altLang="en-US" smtClean="0">
-                <a:solidFill>
-                  <a:prstClr val="white"/>
-                </a:solidFill>
-              </a:rPr>
-              <a:pPr/>
-              <a:t>8</a:t>
-            </a:fld>
-            <a:endParaRPr lang="ko-KR" altLang="en-US" dirty="0">
-              <a:solidFill>
-                <a:prstClr val="white"/>
-              </a:solidFill>
-            </a:endParaRPr>
-          </a:p>
-        </p:txBody>
-      </p:sp>
-      <p:pic>
-        <p:nvPicPr>
-          <p:cNvPr id="4098" name="Picture 2"/>
-          <p:cNvPicPr>
-            <a:picLocks noChangeAspect="1" noChangeArrowheads="1"/>
-          </p:cNvPicPr>
+          <p:cNvPr id="4" name="TextBox 3"/>
+          <p:cNvSpPr txBox="1"/>
           <p:nvPr/>
-        </p:nvPicPr>
-        <p:blipFill rotWithShape="1">
-          <a:blip r:embed="rId3">
-            <a:extLst>
-              <a:ext uri="{28A0092B-C50C-407E-A947-70E740481C1C}">
-                <a14:useLocalDpi xmlns:a14="http://schemas.microsoft.com/office/drawing/2010/main" val="0"/>
-              </a:ext>
-            </a:extLst>
-          </a:blip>
-          <a:srcRect l="12363" t="24089" r="50000" b="68184"/>
-          <a:stretch/>
-        </p:blipFill>
-        <p:spPr bwMode="auto">
+        </p:nvSpPr>
+        <p:spPr>
           <a:xfrm>
-            <a:off x="841388" y="2403375"/>
-            <a:ext cx="7334659" cy="1204649"/>
+            <a:off x="107504" y="116632"/>
+            <a:ext cx="8804013" cy="5755422"/>
           </a:xfrm>
           <a:prstGeom prst="rect">
             <a:avLst/>
           </a:prstGeom>
           <a:noFill/>
-          <a:ln>
-            <a:noFill/>
-          </a:ln>
-          <a:effectLst/>
-          <a:extLst>
-            <a:ext uri="{909E8E84-426E-40DD-AFC4-6F175D3DCCD1}">
-              <a14:hiddenFill xmlns:a14="http://schemas.microsoft.com/office/drawing/2010/main">
-                <a:solidFill>
-                  <a:schemeClr val="accent1"/>
-                </a:solidFill>
-              </a14:hiddenFill>
-            </a:ext>
-            <a:ext uri="{91240B29-F687-4F45-9708-019B960494DF}">
-              <a14:hiddenLine xmlns:a14="http://schemas.microsoft.com/office/drawing/2010/main" w="9525">
-                <a:solidFill>
-                  <a:schemeClr val="tx1"/>
-                </a:solidFill>
-                <a:miter lim="800000"/>
-                <a:headEnd/>
-                <a:tailEnd/>
-              </a14:hiddenLine>
-            </a:ext>
-            <a:ext uri="{AF507438-7753-43E0-B8FC-AC1667EBCBE1}">
-              <a14:hiddenEffects xmlns:a14="http://schemas.microsoft.com/office/drawing/2010/main">
-                <a:effectLst>
-                  <a:outerShdw dist="35921" dir="2700000" algn="ctr" rotWithShape="0">
-                    <a:schemeClr val="bg2"/>
-                  </a:outerShdw>
-                </a:effectLst>
-              </a14:hiddenEffects>
-            </a:ext>
-          </a:extLst>
         </p:spPr>
-      </p:pic>
+        <p:txBody>
+          <a:bodyPr wrap="none" rtlCol="0">
+            <a:spAutoFit/>
+          </a:bodyPr>
+          <a:lstStyle/>
+          <a:p>
+            <a:r>
+              <a:rPr lang="en-US" altLang="ko-KR" sz="1600" dirty="0" smtClean="0">
+                <a:effectLst/>
+              </a:rPr>
+              <a:t>\d </a:t>
+            </a:r>
+            <a:r>
+              <a:rPr lang="ko-KR" altLang="en-US" sz="1600" dirty="0" smtClean="0">
+                <a:effectLst/>
+              </a:rPr>
+              <a:t>나 </a:t>
+            </a:r>
+            <a:r>
+              <a:rPr lang="en-US" altLang="ko-KR" sz="1600" dirty="0" smtClean="0">
+                <a:effectLst/>
+              </a:rPr>
+              <a:t>\w, \s </a:t>
+            </a:r>
+            <a:r>
+              <a:rPr lang="ko-KR" altLang="en-US" sz="1600" dirty="0" smtClean="0">
+                <a:effectLst/>
+              </a:rPr>
+              <a:t>등과 같은 메타 문자들이 </a:t>
+            </a:r>
+            <a:r>
+              <a:rPr lang="en-US" altLang="ko-KR" sz="1600" dirty="0" smtClean="0">
+                <a:effectLst/>
+              </a:rPr>
+              <a:t>'</a:t>
+            </a:r>
+            <a:r>
+              <a:rPr lang="ko-KR" altLang="en-US" sz="1600" dirty="0" smtClean="0">
+                <a:effectLst/>
+              </a:rPr>
+              <a:t>특정 텍스트의 집합</a:t>
+            </a:r>
+            <a:r>
+              <a:rPr lang="en-US" altLang="ko-KR" sz="1600" dirty="0" smtClean="0">
+                <a:effectLst/>
+              </a:rPr>
+              <a:t>'</a:t>
+            </a:r>
+            <a:r>
+              <a:rPr lang="ko-KR" altLang="en-US" sz="1600" dirty="0" smtClean="0">
+                <a:effectLst/>
+              </a:rPr>
+              <a:t>을 매칭시키는 것과 다르게</a:t>
+            </a:r>
+            <a:r>
+              <a:rPr lang="en-US" altLang="ko-KR" sz="1600" dirty="0" smtClean="0">
+                <a:effectLst/>
+              </a:rPr>
+              <a:t>,</a:t>
+            </a:r>
+          </a:p>
+          <a:p>
+            <a:r>
+              <a:rPr lang="en-US" altLang="ko-KR" sz="1600" dirty="0" smtClean="0">
+                <a:effectLst/>
+              </a:rPr>
+              <a:t>\b </a:t>
+            </a:r>
+            <a:r>
+              <a:rPr lang="ko-KR" altLang="en-US" sz="1600" dirty="0" smtClean="0">
+                <a:effectLst/>
+              </a:rPr>
+              <a:t>는 단어의 </a:t>
+            </a:r>
+            <a:r>
+              <a:rPr lang="en-US" altLang="ko-KR" sz="1600" dirty="0" smtClean="0">
+                <a:effectLst/>
+              </a:rPr>
+              <a:t>`</a:t>
+            </a:r>
+            <a:r>
+              <a:rPr lang="ko-KR" altLang="en-US" sz="1600" dirty="0" smtClean="0">
+                <a:effectLst/>
+              </a:rPr>
+              <a:t>경계</a:t>
+            </a:r>
+            <a:r>
+              <a:rPr lang="en-US" altLang="ko-KR" sz="1600" dirty="0" smtClean="0">
+                <a:effectLst/>
+              </a:rPr>
+              <a:t>` </a:t>
+            </a:r>
+            <a:r>
+              <a:rPr lang="ko-KR" altLang="en-US" sz="1600" dirty="0" smtClean="0">
+                <a:effectLst/>
+              </a:rPr>
+              <a:t>위치를 가리킨다</a:t>
+            </a:r>
+            <a:r>
+              <a:rPr lang="en-US" altLang="ko-KR" sz="1600" dirty="0" smtClean="0">
+                <a:effectLst/>
+              </a:rPr>
+              <a:t>. (b = boundary </a:t>
+            </a:r>
+            <a:r>
+              <a:rPr lang="ko-KR" altLang="en-US" sz="1600" dirty="0" smtClean="0">
+                <a:effectLst/>
+              </a:rPr>
+              <a:t>를 의미한다</a:t>
+            </a:r>
+            <a:r>
+              <a:rPr lang="en-US" altLang="ko-KR" sz="1600" dirty="0" smtClean="0">
+                <a:effectLst/>
+              </a:rPr>
+              <a:t>)</a:t>
+            </a:r>
+          </a:p>
+          <a:p>
+            <a:r>
+              <a:rPr lang="en-US" altLang="ko-KR" sz="1600" dirty="0" smtClean="0">
+                <a:effectLst/>
+              </a:rPr>
+              <a:t/>
+            </a:r>
+            <a:br>
+              <a:rPr lang="en-US" altLang="ko-KR" sz="1600" dirty="0" smtClean="0">
+                <a:effectLst/>
+              </a:rPr>
+            </a:br>
+            <a:endParaRPr lang="en-US" altLang="ko-KR" sz="1600" dirty="0" smtClean="0">
+              <a:effectLst/>
+            </a:endParaRPr>
+          </a:p>
+          <a:p>
+            <a:r>
+              <a:rPr lang="ko-KR" altLang="en-US" sz="1600" dirty="0" smtClean="0">
+                <a:effectLst/>
+              </a:rPr>
+              <a:t>여기서 </a:t>
+            </a:r>
+            <a:r>
+              <a:rPr lang="en-US" altLang="ko-KR" sz="1600" dirty="0" smtClean="0">
+                <a:effectLst/>
+              </a:rPr>
+              <a:t>'</a:t>
+            </a:r>
+            <a:r>
+              <a:rPr lang="ko-KR" altLang="en-US" sz="1600" dirty="0" smtClean="0">
+                <a:effectLst/>
+              </a:rPr>
+              <a:t>단어</a:t>
+            </a:r>
+            <a:r>
+              <a:rPr lang="en-US" altLang="ko-KR" sz="1600" dirty="0" smtClean="0">
+                <a:effectLst/>
+              </a:rPr>
+              <a:t>'</a:t>
+            </a:r>
+            <a:r>
+              <a:rPr lang="ko-KR" altLang="en-US" sz="1600" dirty="0" smtClean="0">
+                <a:effectLst/>
+              </a:rPr>
+              <a:t>는 </a:t>
+            </a:r>
+            <a:r>
+              <a:rPr lang="en-US" altLang="ko-KR" sz="1600" dirty="0" smtClean="0">
+                <a:effectLst/>
+              </a:rPr>
+              <a:t>\w </a:t>
+            </a:r>
+            <a:r>
+              <a:rPr lang="ko-KR" altLang="en-US" sz="1600" dirty="0" smtClean="0">
+                <a:effectLst/>
+              </a:rPr>
+              <a:t>와 일치하며 </a:t>
+            </a:r>
+            <a:r>
+              <a:rPr lang="en-US" altLang="ko-KR" sz="1600" dirty="0" smtClean="0">
+                <a:effectLst/>
+              </a:rPr>
+              <a:t>[a-zA-Z0-9_]</a:t>
+            </a:r>
+            <a:r>
+              <a:rPr lang="ko-KR" altLang="en-US" sz="1600" dirty="0" smtClean="0">
+                <a:effectLst/>
+              </a:rPr>
+              <a:t>와 동일하다</a:t>
+            </a:r>
+            <a:r>
+              <a:rPr lang="en-US" altLang="ko-KR" sz="1600" dirty="0" smtClean="0">
+                <a:effectLst/>
+              </a:rPr>
+              <a:t>.</a:t>
+            </a:r>
+          </a:p>
+          <a:p>
+            <a:r>
+              <a:rPr lang="ko-KR" altLang="en-US" sz="1600" dirty="0" smtClean="0">
+                <a:effectLst/>
+              </a:rPr>
+              <a:t>즉</a:t>
+            </a:r>
+            <a:r>
+              <a:rPr lang="en-US" altLang="ko-KR" sz="1600" dirty="0" smtClean="0">
+                <a:effectLst/>
+              </a:rPr>
+              <a:t>, </a:t>
+            </a:r>
+            <a:r>
+              <a:rPr lang="ko-KR" altLang="en-US" sz="1600" dirty="0" smtClean="0">
+                <a:effectLst/>
+              </a:rPr>
+              <a:t>단어와 단어가 아닌 문자와의 사이를 가리키는 것이다</a:t>
+            </a:r>
+            <a:r>
+              <a:rPr lang="en-US" altLang="ko-KR" sz="1600" dirty="0" smtClean="0">
+                <a:effectLst/>
+              </a:rPr>
+              <a:t>.</a:t>
+            </a:r>
+          </a:p>
+          <a:p>
+            <a:r>
+              <a:rPr lang="en-US" altLang="ko-KR" sz="1600" dirty="0" smtClean="0">
+                <a:effectLst/>
+              </a:rPr>
+              <a:t/>
+            </a:r>
+            <a:br>
+              <a:rPr lang="en-US" altLang="ko-KR" sz="1600" dirty="0" smtClean="0">
+                <a:effectLst/>
+              </a:rPr>
+            </a:br>
+            <a:endParaRPr lang="en-US" altLang="ko-KR" sz="1600" dirty="0" smtClean="0">
+              <a:effectLst/>
+            </a:endParaRPr>
+          </a:p>
+          <a:p>
+            <a:r>
+              <a:rPr lang="ko-KR" altLang="en-US" sz="1600" dirty="0" smtClean="0">
+                <a:effectLst/>
+              </a:rPr>
+              <a:t>위치를 가리키는 것이기 때문에</a:t>
+            </a:r>
+            <a:r>
+              <a:rPr lang="en-US" altLang="ko-KR" sz="1600" dirty="0" smtClean="0">
+                <a:effectLst/>
+              </a:rPr>
+              <a:t>, </a:t>
+            </a:r>
+            <a:r>
+              <a:rPr lang="ko-KR" altLang="en-US" sz="1600" dirty="0" smtClean="0">
+                <a:effectLst/>
+              </a:rPr>
+              <a:t>패턴이 일치하더라도 매치되는 길이는 </a:t>
+            </a:r>
+            <a:r>
+              <a:rPr lang="en-US" altLang="ko-KR" sz="1600" dirty="0" smtClean="0">
+                <a:effectLst/>
+              </a:rPr>
+              <a:t>0</a:t>
+            </a:r>
+            <a:r>
+              <a:rPr lang="ko-KR" altLang="en-US" sz="1600" dirty="0" smtClean="0">
+                <a:effectLst/>
+              </a:rPr>
+              <a:t>이다</a:t>
+            </a:r>
+            <a:r>
+              <a:rPr lang="en-US" altLang="ko-KR" sz="1600" dirty="0" smtClean="0">
+                <a:effectLst/>
+              </a:rPr>
+              <a:t>.</a:t>
+            </a:r>
+          </a:p>
+          <a:p>
+            <a:r>
+              <a:rPr lang="ko-KR" altLang="en-US" sz="1600" dirty="0" smtClean="0">
+                <a:effectLst/>
+              </a:rPr>
+              <a:t>이런 이유 때문에 좀 헷갈리는데</a:t>
+            </a:r>
+            <a:r>
+              <a:rPr lang="en-US" altLang="ko-KR" sz="1600" dirty="0" smtClean="0">
+                <a:effectLst/>
+              </a:rPr>
+              <a:t>, </a:t>
+            </a:r>
+            <a:r>
+              <a:rPr lang="ko-KR" altLang="en-US" sz="1600" dirty="0" smtClean="0">
+                <a:effectLst/>
+              </a:rPr>
+              <a:t>문장에서 각 단어의 경계를 표시해보면 쉽게 이해할 수 있다</a:t>
+            </a:r>
+            <a:r>
+              <a:rPr lang="en-US" altLang="ko-KR" sz="1600" dirty="0" smtClean="0">
+                <a:effectLst/>
+              </a:rPr>
+              <a:t>.</a:t>
+            </a:r>
+          </a:p>
+          <a:p>
+            <a:r>
+              <a:rPr lang="en-US" altLang="ko-KR" sz="1600" dirty="0" smtClean="0">
+                <a:effectLst/>
+              </a:rPr>
+              <a:t/>
+            </a:r>
+            <a:br>
+              <a:rPr lang="en-US" altLang="ko-KR" sz="1600" dirty="0" smtClean="0">
+                <a:effectLst/>
+              </a:rPr>
+            </a:br>
+            <a:endParaRPr lang="en-US" altLang="ko-KR" sz="1600" dirty="0" smtClean="0">
+              <a:effectLst/>
+            </a:endParaRPr>
+          </a:p>
+          <a:p>
+            <a:r>
+              <a:rPr lang="ko-KR" altLang="en-US" sz="1600" dirty="0"/>
+              <a:t> </a:t>
+            </a:r>
+            <a:r>
+              <a:rPr lang="en-US" altLang="ko-KR" sz="1600" dirty="0" smtClean="0"/>
+              <a:t>Raindrops </a:t>
+            </a:r>
+            <a:r>
+              <a:rPr lang="en-US" altLang="ko-KR" sz="1600" dirty="0"/>
+              <a:t>on roses, and whiskers on kittens.</a:t>
+            </a:r>
+            <a:endParaRPr lang="ko-KR" altLang="en-US" sz="1600" dirty="0"/>
+          </a:p>
+          <a:p>
+            <a:r>
+              <a:rPr lang="ko-KR" altLang="en-US" sz="1600" dirty="0"/>
+              <a:t/>
+            </a:r>
+            <a:br>
+              <a:rPr lang="ko-KR" altLang="en-US" sz="1600" dirty="0"/>
+            </a:br>
+            <a:r>
+              <a:rPr lang="ko-KR" altLang="en-US" sz="1600" dirty="0" smtClean="0"/>
+              <a:t>위 </a:t>
+            </a:r>
+            <a:r>
+              <a:rPr lang="ko-KR" altLang="en-US" sz="1600" dirty="0"/>
+              <a:t>문장에서 단어의 경계</a:t>
+            </a:r>
+            <a:r>
+              <a:rPr lang="en-US" altLang="ko-KR" sz="1600" dirty="0"/>
+              <a:t>, </a:t>
+            </a:r>
+            <a:r>
+              <a:rPr lang="ko-KR" altLang="en-US" sz="1600" dirty="0"/>
+              <a:t>즉 메타 문자 </a:t>
+            </a:r>
+            <a:r>
+              <a:rPr lang="en-US" altLang="ko-KR" sz="1600" dirty="0"/>
+              <a:t>\b </a:t>
+            </a:r>
+            <a:r>
+              <a:rPr lang="ko-KR" altLang="en-US" sz="1600" dirty="0"/>
+              <a:t>는 아래와 같이 </a:t>
+            </a:r>
+            <a:r>
+              <a:rPr lang="en-US" altLang="ko-KR" sz="1600" dirty="0"/>
+              <a:t>|</a:t>
+            </a:r>
+            <a:r>
+              <a:rPr lang="ko-KR" altLang="en-US" sz="1600" dirty="0"/>
+              <a:t> 를 표시한 위치를 가리킨다</a:t>
+            </a:r>
+            <a:r>
+              <a:rPr lang="en-US" altLang="ko-KR" sz="1600" dirty="0"/>
+              <a:t>.</a:t>
+            </a:r>
+          </a:p>
+          <a:p>
+            <a:endParaRPr lang="en-US" altLang="ko-KR" sz="1600" dirty="0"/>
+          </a:p>
+          <a:p>
+            <a:r>
+              <a:rPr lang="ko-KR" altLang="en-US" sz="1600" dirty="0"/>
+              <a:t>  </a:t>
+            </a:r>
+            <a:r>
+              <a:rPr lang="en-US" altLang="ko-KR" sz="1600" dirty="0"/>
+              <a:t>|Raindrops| |on| |roses|, |and| |whiskers| |on| |kittens</a:t>
+            </a:r>
+            <a:r>
+              <a:rPr lang="en-US" altLang="ko-KR" sz="1600" dirty="0" smtClean="0"/>
+              <a:t>|.</a:t>
+            </a:r>
+          </a:p>
+          <a:p>
+            <a:endParaRPr lang="en-US" altLang="ko-KR" sz="1600" dirty="0" smtClean="0"/>
+          </a:p>
+          <a:p>
+            <a:r>
+              <a:rPr lang="ko-KR" altLang="en-US" sz="1600" dirty="0" smtClean="0"/>
+              <a:t>이 문장에서  </a:t>
+            </a:r>
+            <a:r>
+              <a:rPr lang="en-US" altLang="ko-KR" sz="1600" dirty="0" smtClean="0"/>
+              <a:t>/\</a:t>
+            </a:r>
+            <a:r>
+              <a:rPr lang="en-US" altLang="ko-KR" sz="1600" dirty="0" err="1" smtClean="0"/>
+              <a:t>bo</a:t>
+            </a:r>
+            <a:r>
+              <a:rPr lang="en-US" altLang="ko-KR" sz="1600" dirty="0" smtClean="0"/>
+              <a:t>.\b/</a:t>
+            </a:r>
+            <a:r>
+              <a:rPr lang="ko-KR" altLang="en-US" sz="1600" dirty="0" smtClean="0"/>
+              <a:t> 를 </a:t>
+            </a:r>
+            <a:r>
+              <a:rPr lang="ko-KR" altLang="en-US" sz="1600" dirty="0" err="1" smtClean="0"/>
+              <a:t>매치시킨</a:t>
+            </a:r>
+            <a:r>
+              <a:rPr lang="ko-KR" altLang="en-US" sz="1600" dirty="0" smtClean="0"/>
+              <a:t> 결과는 다음과 같다</a:t>
+            </a:r>
+            <a:r>
+              <a:rPr lang="en-US" altLang="ko-KR" sz="1600" dirty="0" smtClean="0"/>
+              <a:t>.</a:t>
+            </a:r>
+          </a:p>
+          <a:p>
+            <a:r>
+              <a:rPr lang="en-US" altLang="ko-KR" sz="1600" dirty="0" smtClean="0"/>
+              <a:t/>
+            </a:r>
+            <a:br>
+              <a:rPr lang="en-US" altLang="ko-KR" sz="1600" dirty="0" smtClean="0"/>
+            </a:br>
+            <a:r>
+              <a:rPr lang="ko-KR" altLang="en-US" sz="1600" dirty="0" smtClean="0"/>
+              <a:t>  </a:t>
+            </a:r>
+            <a:r>
+              <a:rPr lang="en-US" altLang="ko-KR" sz="1600" dirty="0" smtClean="0"/>
+              <a:t>|Raindrops| |on| |roses|, |and| |whiskers| |on| |kittens|.</a:t>
+            </a:r>
+            <a:endParaRPr lang="ko-KR" altLang="en-US" sz="1600" dirty="0" smtClean="0"/>
+          </a:p>
+          <a:p>
+            <a:endParaRPr lang="ko-KR" altLang="en-US" sz="1600" dirty="0" smtClean="0"/>
+          </a:p>
+          <a:p>
+            <a:r>
+              <a:rPr lang="ko-KR" altLang="en-US" sz="1600" dirty="0" smtClean="0"/>
+              <a:t>패턴이 단어의 경계 사이에 있는 </a:t>
+            </a:r>
+            <a:r>
+              <a:rPr lang="en-US" altLang="ko-KR" sz="1600" dirty="0" smtClean="0"/>
+              <a:t>o</a:t>
+            </a:r>
+            <a:r>
+              <a:rPr lang="ko-KR" altLang="en-US" sz="1600" dirty="0" smtClean="0"/>
+              <a:t>와 나머지 한 문자를 나타내기 때문이다</a:t>
+            </a:r>
+            <a:r>
+              <a:rPr lang="en-US" altLang="ko-KR" sz="1600" dirty="0" smtClean="0"/>
+              <a:t>.</a:t>
+            </a:r>
+          </a:p>
+        </p:txBody>
+      </p:sp>
     </p:spTree>
     <p:extLst>
       <p:ext uri="{BB962C8B-B14F-4D97-AF65-F5344CB8AC3E}">
-        <p14:creationId xmlns:p14="http://schemas.microsoft.com/office/powerpoint/2010/main" val="2896012337"/>
+        <p14:creationId xmlns:p14="http://schemas.microsoft.com/office/powerpoint/2010/main" val="311014101"/>
       </p:ext>
     </p:extLst>
   </p:cSld>
@@ -15803,129 +15731,463 @@
       </p:grpSpPr>
       <p:sp>
         <p:nvSpPr>
-          <p:cNvPr id="2" name="내용 개체 틀 1"/>
-          <p:cNvSpPr>
-            <a:spLocks noGrp="1"/>
-          </p:cNvSpPr>
-          <p:nvPr>
-            <p:ph idx="1"/>
-          </p:nvPr>
-        </p:nvSpPr>
-        <p:spPr/>
-        <p:txBody>
-          <a:bodyPr/>
-          <a:lstStyle/>
-          <a:p>
-            <a:r>
-              <a:rPr lang="ko-KR" altLang="en-US" b="1" dirty="0" smtClean="0"/>
-              <a:t>정규식 대문자로 시작하는 단어 찾기 </a:t>
-            </a:r>
-            <a:r>
-              <a:rPr lang="en-US" altLang="ko-KR" b="1" dirty="0" smtClean="0"/>
-              <a:t>[A-Z]\w+</a:t>
-            </a:r>
-            <a:endParaRPr lang="ko-KR" altLang="en-US" b="1" dirty="0"/>
-          </a:p>
-        </p:txBody>
-      </p:sp>
-      <p:sp>
-        <p:nvSpPr>
-          <p:cNvPr id="3" name="슬라이드 번호 개체 틀 2"/>
-          <p:cNvSpPr>
-            <a:spLocks noGrp="1"/>
-          </p:cNvSpPr>
-          <p:nvPr>
-            <p:ph type="sldNum" sz="quarter" idx="12"/>
-          </p:nvPr>
-        </p:nvSpPr>
-        <p:spPr/>
-        <p:txBody>
-          <a:bodyPr/>
-          <a:lstStyle/>
-          <a:p>
-            <a:fld id="{44CD35DA-7DA3-4004-95B7-1DAC72F1C791}" type="slidenum">
-              <a:rPr lang="ko-KR" altLang="en-US" smtClean="0">
-                <a:solidFill>
-                  <a:prstClr val="white"/>
-                </a:solidFill>
-              </a:rPr>
-              <a:pPr/>
-              <a:t>9</a:t>
-            </a:fld>
-            <a:endParaRPr lang="ko-KR" altLang="en-US" dirty="0">
-              <a:solidFill>
-                <a:prstClr val="white"/>
-              </a:solidFill>
-            </a:endParaRPr>
-          </a:p>
-        </p:txBody>
-      </p:sp>
-      <p:pic>
-        <p:nvPicPr>
-          <p:cNvPr id="5122" name="Picture 2"/>
-          <p:cNvPicPr>
-            <a:picLocks noChangeAspect="1" noChangeArrowheads="1"/>
-          </p:cNvPicPr>
+          <p:cNvPr id="2" name="TextBox 1"/>
+          <p:cNvSpPr txBox="1"/>
           <p:nvPr/>
-        </p:nvPicPr>
-        <p:blipFill rotWithShape="1">
-          <a:blip r:embed="rId3">
-            <a:extLst>
-              <a:ext uri="{28A0092B-C50C-407E-A947-70E740481C1C}">
-                <a14:useLocalDpi xmlns:a14="http://schemas.microsoft.com/office/drawing/2010/main" val="0"/>
-              </a:ext>
-            </a:extLst>
-          </a:blip>
-          <a:srcRect l="10800" t="58156" r="33698" b="34281"/>
-          <a:stretch/>
-        </p:blipFill>
-        <p:spPr bwMode="auto">
+        </p:nvSpPr>
+        <p:spPr>
           <a:xfrm>
-            <a:off x="899592" y="2276872"/>
-            <a:ext cx="7927139" cy="864096"/>
+            <a:off x="251520" y="332656"/>
+            <a:ext cx="8784976" cy="5632311"/>
           </a:xfrm>
           <a:prstGeom prst="rect">
             <a:avLst/>
           </a:prstGeom>
           <a:noFill/>
-          <a:ln>
-            <a:noFill/>
-          </a:ln>
-          <a:effectLst/>
-          <a:extLst>
-            <a:ext uri="{909E8E84-426E-40DD-AFC4-6F175D3DCCD1}">
-              <a14:hiddenFill xmlns:a14="http://schemas.microsoft.com/office/drawing/2010/main">
-                <a:solidFill>
-                  <a:schemeClr val="accent1"/>
-                </a:solidFill>
-              </a14:hiddenFill>
-            </a:ext>
-            <a:ext uri="{91240B29-F687-4F45-9708-019B960494DF}">
-              <a14:hiddenLine xmlns:a14="http://schemas.microsoft.com/office/drawing/2010/main" w="9525">
-                <a:solidFill>
-                  <a:schemeClr val="tx1"/>
-                </a:solidFill>
-                <a:miter lim="800000"/>
-                <a:headEnd/>
-                <a:tailEnd/>
-              </a14:hiddenLine>
-            </a:ext>
-            <a:ext uri="{AF507438-7753-43E0-B8FC-AC1667EBCBE1}">
-              <a14:hiddenEffects xmlns:a14="http://schemas.microsoft.com/office/drawing/2010/main">
-                <a:effectLst>
-                  <a:outerShdw dist="35921" dir="2700000" algn="ctr" rotWithShape="0">
-                    <a:schemeClr val="bg2"/>
-                  </a:outerShdw>
-                </a:effectLst>
-              </a14:hiddenEffects>
-            </a:ext>
-          </a:extLst>
         </p:spPr>
-      </p:pic>
+        <p:txBody>
+          <a:bodyPr wrap="square" rtlCol="0">
+            <a:spAutoFit/>
+          </a:bodyPr>
+          <a:lstStyle/>
+          <a:p>
+            <a:r>
+              <a:rPr lang="en-US" altLang="ko-KR" sz="1600" dirty="0" smtClean="0"/>
+              <a:t>\B </a:t>
+            </a:r>
+            <a:r>
+              <a:rPr lang="ko-KR" altLang="en-US" sz="1600" dirty="0" smtClean="0"/>
+              <a:t>는 </a:t>
+            </a:r>
+            <a:r>
+              <a:rPr lang="en-US" altLang="ko-KR" sz="1600" dirty="0" smtClean="0"/>
+              <a:t>\b</a:t>
+            </a:r>
+            <a:r>
+              <a:rPr lang="ko-KR" altLang="en-US" sz="1600" dirty="0" smtClean="0"/>
+              <a:t>와 반대로 동작하는데</a:t>
+            </a:r>
+            <a:r>
+              <a:rPr lang="en-US" altLang="ko-KR" sz="1600" dirty="0" smtClean="0"/>
+              <a:t>, </a:t>
+            </a:r>
+            <a:r>
+              <a:rPr lang="ko-KR" altLang="en-US" sz="1600" dirty="0" smtClean="0"/>
+              <a:t>이것도 각 위치를 표시해보면 이해하기 쉽다</a:t>
+            </a:r>
+            <a:r>
+              <a:rPr lang="en-US" altLang="ko-KR" sz="1600" dirty="0" smtClean="0"/>
+              <a:t>.</a:t>
+            </a:r>
+          </a:p>
+          <a:p>
+            <a:r>
+              <a:rPr lang="en-US" altLang="ko-KR" sz="1600" dirty="0" smtClean="0"/>
+              <a:t/>
+            </a:r>
+            <a:br>
+              <a:rPr lang="en-US" altLang="ko-KR" sz="1600" dirty="0" smtClean="0"/>
+            </a:br>
+            <a:r>
+              <a:rPr lang="ko-KR" altLang="en-US" sz="1600" dirty="0" smtClean="0"/>
+              <a:t>  </a:t>
+            </a:r>
+            <a:r>
+              <a:rPr lang="en-US" altLang="ko-KR" sz="1600" dirty="0" err="1" smtClean="0"/>
+              <a:t>R|a|i|n|d|r|o|p|s</a:t>
+            </a:r>
+            <a:r>
+              <a:rPr lang="en-US" altLang="ko-KR" sz="1600" dirty="0" smtClean="0"/>
+              <a:t> </a:t>
+            </a:r>
+            <a:r>
+              <a:rPr lang="en-US" altLang="ko-KR" sz="1600" dirty="0" err="1" smtClean="0"/>
+              <a:t>o|n</a:t>
+            </a:r>
+            <a:r>
+              <a:rPr lang="en-US" altLang="ko-KR" sz="1600" dirty="0" smtClean="0"/>
+              <a:t> </a:t>
+            </a:r>
+            <a:r>
+              <a:rPr lang="en-US" altLang="ko-KR" sz="1600" dirty="0" err="1" smtClean="0"/>
+              <a:t>r|o|s|e|s</a:t>
+            </a:r>
+            <a:r>
+              <a:rPr lang="en-US" altLang="ko-KR" sz="1600" dirty="0" smtClean="0"/>
+              <a:t>, </a:t>
+            </a:r>
+            <a:r>
+              <a:rPr lang="en-US" altLang="ko-KR" sz="1600" dirty="0" err="1" smtClean="0"/>
+              <a:t>a|n|d</a:t>
+            </a:r>
+            <a:r>
+              <a:rPr lang="en-US" altLang="ko-KR" sz="1600" dirty="0" smtClean="0"/>
+              <a:t> </a:t>
+            </a:r>
+            <a:r>
+              <a:rPr lang="en-US" altLang="ko-KR" sz="1600" dirty="0" err="1" smtClean="0"/>
+              <a:t>w|h|i|s|k|e|r|s</a:t>
+            </a:r>
+            <a:r>
+              <a:rPr lang="en-US" altLang="ko-KR" sz="1600" dirty="0" smtClean="0"/>
+              <a:t> </a:t>
+            </a:r>
+            <a:r>
+              <a:rPr lang="en-US" altLang="ko-KR" sz="1600" dirty="0" err="1" smtClean="0"/>
+              <a:t>o|n</a:t>
+            </a:r>
+            <a:r>
+              <a:rPr lang="en-US" altLang="ko-KR" sz="1600" dirty="0" smtClean="0"/>
+              <a:t> </a:t>
+            </a:r>
+            <a:r>
+              <a:rPr lang="en-US" altLang="ko-KR" sz="1600" dirty="0" err="1" smtClean="0"/>
+              <a:t>k|i|t|t|e|n|s</a:t>
+            </a:r>
+            <a:r>
+              <a:rPr lang="en-US" altLang="ko-KR" sz="1600" dirty="0" smtClean="0"/>
+              <a:t>.</a:t>
+            </a:r>
+            <a:endParaRPr lang="ko-KR" altLang="en-US" sz="1600" dirty="0" smtClean="0"/>
+          </a:p>
+          <a:p>
+            <a:r>
+              <a:rPr lang="ko-KR" altLang="en-US" sz="1600" dirty="0" smtClean="0"/>
+              <a:t/>
+            </a:r>
+            <a:br>
+              <a:rPr lang="ko-KR" altLang="en-US" sz="1600" dirty="0" smtClean="0"/>
+            </a:br>
+            <a:r>
+              <a:rPr lang="ko-KR" altLang="en-US" sz="1600" dirty="0" smtClean="0"/>
+              <a:t>따라서</a:t>
+            </a:r>
+            <a:r>
+              <a:rPr lang="en-US" altLang="ko-KR" sz="1600" dirty="0" smtClean="0"/>
+              <a:t>, /\Bo.\B/</a:t>
+            </a:r>
+            <a:r>
+              <a:rPr lang="ko-KR" altLang="en-US" sz="1600" dirty="0" smtClean="0"/>
+              <a:t> 와 </a:t>
+            </a:r>
+            <a:r>
+              <a:rPr lang="ko-KR" altLang="en-US" sz="1600" dirty="0" err="1" smtClean="0"/>
+              <a:t>매치시키면</a:t>
+            </a:r>
+            <a:r>
+              <a:rPr lang="ko-KR" altLang="en-US" sz="1600" dirty="0" smtClean="0"/>
+              <a:t> 아래와 같다</a:t>
+            </a:r>
+            <a:r>
+              <a:rPr lang="en-US" altLang="ko-KR" sz="1600" dirty="0" smtClean="0"/>
+              <a:t>.</a:t>
+            </a:r>
+          </a:p>
+          <a:p>
+            <a:endParaRPr lang="en-US" altLang="ko-KR" sz="1600" dirty="0" smtClean="0"/>
+          </a:p>
+          <a:p>
+            <a:r>
+              <a:rPr lang="ko-KR" altLang="en-US" sz="1600" dirty="0" smtClean="0"/>
+              <a:t>  </a:t>
+            </a:r>
+            <a:r>
+              <a:rPr lang="en-US" altLang="ko-KR" sz="1600" dirty="0" err="1" smtClean="0"/>
+              <a:t>R|a|i|n|d|r|o|p|s</a:t>
+            </a:r>
+            <a:r>
+              <a:rPr lang="en-US" altLang="ko-KR" sz="1600" dirty="0" smtClean="0"/>
+              <a:t> </a:t>
+            </a:r>
+            <a:r>
+              <a:rPr lang="en-US" altLang="ko-KR" sz="1600" dirty="0" err="1" smtClean="0"/>
+              <a:t>o|n</a:t>
+            </a:r>
+            <a:r>
+              <a:rPr lang="en-US" altLang="ko-KR" sz="1600" dirty="0" smtClean="0"/>
+              <a:t> </a:t>
+            </a:r>
+            <a:r>
+              <a:rPr lang="en-US" altLang="ko-KR" sz="1600" dirty="0" err="1" smtClean="0"/>
+              <a:t>r|o|s|e|s</a:t>
+            </a:r>
+            <a:r>
+              <a:rPr lang="en-US" altLang="ko-KR" sz="1600" dirty="0" smtClean="0"/>
+              <a:t>, </a:t>
+            </a:r>
+            <a:r>
+              <a:rPr lang="en-US" altLang="ko-KR" sz="1600" dirty="0" err="1" smtClean="0"/>
+              <a:t>a|n|d</a:t>
+            </a:r>
+            <a:r>
+              <a:rPr lang="en-US" altLang="ko-KR" sz="1600" dirty="0" smtClean="0"/>
+              <a:t> </a:t>
+            </a:r>
+            <a:r>
+              <a:rPr lang="en-US" altLang="ko-KR" sz="1600" dirty="0" err="1" smtClean="0"/>
+              <a:t>w|h|i|s|k|e|r|s</a:t>
+            </a:r>
+            <a:r>
+              <a:rPr lang="en-US" altLang="ko-KR" sz="1600" dirty="0" smtClean="0"/>
+              <a:t> </a:t>
+            </a:r>
+            <a:r>
+              <a:rPr lang="en-US" altLang="ko-KR" sz="1600" dirty="0" err="1" smtClean="0"/>
+              <a:t>o|n</a:t>
+            </a:r>
+            <a:r>
+              <a:rPr lang="en-US" altLang="ko-KR" sz="1600" dirty="0" smtClean="0"/>
+              <a:t> </a:t>
+            </a:r>
+            <a:r>
+              <a:rPr lang="en-US" altLang="ko-KR" sz="1600" dirty="0" err="1" smtClean="0"/>
+              <a:t>k|i|t|t|e|n|s</a:t>
+            </a:r>
+            <a:r>
+              <a:rPr lang="en-US" altLang="ko-KR" sz="1600" dirty="0" smtClean="0"/>
+              <a:t>.</a:t>
+            </a:r>
+            <a:endParaRPr lang="ko-KR" altLang="en-US" sz="1600" dirty="0" smtClean="0"/>
+          </a:p>
+          <a:p>
+            <a:endParaRPr lang="en-US" altLang="ko-KR" sz="1600" dirty="0" smtClean="0"/>
+          </a:p>
+          <a:p>
+            <a:r>
+              <a:rPr lang="ko-KR" altLang="en-US" sz="1600" dirty="0" smtClean="0"/>
+              <a:t>주의할 것은</a:t>
+            </a:r>
+            <a:r>
+              <a:rPr lang="en-US" altLang="ko-KR" sz="1600" dirty="0" smtClean="0"/>
+              <a:t>, </a:t>
+            </a:r>
+            <a:r>
+              <a:rPr lang="ko-KR" altLang="en-US" sz="1600" dirty="0" smtClean="0"/>
+              <a:t>정규식에서의 </a:t>
+            </a:r>
+            <a:r>
+              <a:rPr lang="en-US" altLang="ko-KR" sz="1600" dirty="0" smtClean="0"/>
+              <a:t>'</a:t>
+            </a:r>
+            <a:r>
+              <a:rPr lang="ko-KR" altLang="en-US" sz="1600" dirty="0" smtClean="0"/>
+              <a:t>단어</a:t>
+            </a:r>
+            <a:r>
+              <a:rPr lang="en-US" altLang="ko-KR" sz="1600" dirty="0" smtClean="0"/>
+              <a:t>'</a:t>
+            </a:r>
+            <a:r>
+              <a:rPr lang="ko-KR" altLang="en-US" sz="1600" dirty="0" smtClean="0"/>
+              <a:t>는 한글과 같은 </a:t>
+            </a:r>
+            <a:r>
+              <a:rPr lang="en-US" altLang="ko-KR" sz="1600" dirty="0" smtClean="0"/>
+              <a:t>2</a:t>
+            </a:r>
+            <a:r>
+              <a:rPr lang="ko-KR" altLang="en-US" sz="1600" dirty="0" smtClean="0"/>
+              <a:t>바이트 문자를 포함하지 않기 때문에</a:t>
+            </a:r>
+            <a:r>
+              <a:rPr lang="en-US" altLang="ko-KR" sz="1600" dirty="0" smtClean="0"/>
+              <a:t>,</a:t>
+            </a:r>
+          </a:p>
+          <a:p>
+            <a:r>
+              <a:rPr lang="ko-KR" altLang="en-US" sz="1600" dirty="0" smtClean="0"/>
+              <a:t>한글의 경계는 </a:t>
+            </a:r>
+            <a:r>
+              <a:rPr lang="en-US" altLang="ko-KR" sz="1600" dirty="0" smtClean="0"/>
+              <a:t>\b</a:t>
+            </a:r>
+            <a:r>
+              <a:rPr lang="ko-KR" altLang="en-US" sz="1600" dirty="0" smtClean="0"/>
+              <a:t>로 처리할 수 없다는 것이다</a:t>
+            </a:r>
+            <a:r>
+              <a:rPr lang="en-US" altLang="ko-KR" sz="1600" dirty="0" smtClean="0"/>
+              <a:t>.</a:t>
+            </a:r>
+          </a:p>
+          <a:p>
+            <a:r>
+              <a:rPr lang="en-US" altLang="ko-KR" sz="1600" dirty="0" smtClean="0"/>
+              <a:t/>
+            </a:r>
+            <a:br>
+              <a:rPr lang="en-US" altLang="ko-KR" sz="1600" dirty="0" smtClean="0"/>
+            </a:br>
+            <a:endParaRPr lang="en-US" altLang="ko-KR" sz="1600" dirty="0" smtClean="0"/>
+          </a:p>
+          <a:p>
+            <a:r>
+              <a:rPr lang="ko-KR" altLang="en-US" sz="1600" dirty="0" smtClean="0"/>
+              <a:t>한글의 경계를 판단하려면</a:t>
+            </a:r>
+            <a:r>
+              <a:rPr lang="en-US" altLang="ko-KR" sz="1600" dirty="0" smtClean="0"/>
+              <a:t>, </a:t>
+            </a:r>
+            <a:r>
+              <a:rPr lang="ko-KR" altLang="en-US" sz="1600" dirty="0" smtClean="0"/>
+              <a:t>전후방탐색으로 한글이 아닌 문자와의 경계를 판단하는 것이 좋다</a:t>
+            </a:r>
+            <a:r>
+              <a:rPr lang="en-US" altLang="ko-KR" sz="1600" dirty="0" smtClean="0"/>
+              <a:t>.</a:t>
+            </a:r>
+          </a:p>
+          <a:p>
+            <a:r>
+              <a:rPr lang="en-US" altLang="ko-KR" sz="1600" dirty="0" smtClean="0"/>
+              <a:t/>
+            </a:r>
+            <a:br>
+              <a:rPr lang="en-US" altLang="ko-KR" sz="1600" dirty="0" smtClean="0"/>
+            </a:br>
+            <a:endParaRPr lang="en-US" altLang="ko-KR" sz="1600" dirty="0" smtClean="0"/>
+          </a:p>
+          <a:p>
+            <a:r>
+              <a:rPr lang="ko-KR" altLang="en-US" sz="1600" dirty="0" smtClean="0"/>
+              <a:t>  </a:t>
+            </a:r>
+            <a:r>
+              <a:rPr lang="en-US" altLang="ko-KR" sz="1600" dirty="0" smtClean="0"/>
+              <a:t>/(?&lt;=[^</a:t>
+            </a:r>
+            <a:r>
+              <a:rPr lang="ko-KR" altLang="en-US" sz="1600" dirty="0" smtClean="0"/>
+              <a:t>가</a:t>
+            </a:r>
+            <a:r>
+              <a:rPr lang="en-US" altLang="ko-KR" sz="1600" dirty="0" smtClean="0"/>
+              <a:t>-</a:t>
+            </a:r>
+            <a:r>
+              <a:rPr lang="ko-KR" altLang="en-US" sz="1600" dirty="0" err="1" smtClean="0"/>
+              <a:t>힣</a:t>
+            </a:r>
+            <a:r>
+              <a:rPr lang="en-US" altLang="ko-KR" sz="1600" dirty="0" smtClean="0"/>
+              <a:t>])</a:t>
+            </a:r>
+            <a:r>
+              <a:rPr lang="ko-KR" altLang="en-US" sz="1600" dirty="0" smtClean="0"/>
+              <a:t>대상문자</a:t>
+            </a:r>
+            <a:r>
+              <a:rPr lang="en-US" altLang="ko-KR" sz="1600" dirty="0" smtClean="0"/>
+              <a:t>(?=[^</a:t>
+            </a:r>
+            <a:r>
+              <a:rPr lang="ko-KR" altLang="en-US" sz="1600" dirty="0" smtClean="0"/>
+              <a:t>가</a:t>
+            </a:r>
+            <a:r>
+              <a:rPr lang="en-US" altLang="ko-KR" sz="1600" dirty="0" smtClean="0"/>
+              <a:t>-</a:t>
+            </a:r>
+            <a:r>
+              <a:rPr lang="ko-KR" altLang="en-US" sz="1600" dirty="0" err="1" smtClean="0"/>
+              <a:t>힣</a:t>
+            </a:r>
+            <a:r>
+              <a:rPr lang="en-US" altLang="ko-KR" sz="1600" dirty="0" smtClean="0"/>
+              <a:t>])/</a:t>
+            </a:r>
+            <a:endParaRPr lang="ko-KR" altLang="en-US" sz="1600" dirty="0" smtClean="0"/>
+          </a:p>
+          <a:p>
+            <a:r>
+              <a:rPr lang="ko-KR" altLang="en-US" sz="1600" dirty="0" smtClean="0"/>
+              <a:t>  </a:t>
+            </a:r>
+            <a:r>
+              <a:rPr lang="en-US" altLang="ko-KR" sz="1600" dirty="0" smtClean="0"/>
+              <a:t>(</a:t>
+            </a:r>
+            <a:r>
+              <a:rPr lang="ko-KR" altLang="en-US" sz="1600" dirty="0" smtClean="0"/>
+              <a:t>자음과 모음까지 문자로 인식하려고 한다면</a:t>
+            </a:r>
+            <a:r>
+              <a:rPr lang="en-US" altLang="ko-KR" sz="1600" dirty="0" smtClean="0"/>
+              <a:t>, [^</a:t>
+            </a:r>
+            <a:r>
+              <a:rPr lang="ko-KR" altLang="en-US" sz="1600" dirty="0" err="1" smtClean="0"/>
+              <a:t>ㄱ</a:t>
+            </a:r>
+            <a:r>
+              <a:rPr lang="en-US" altLang="ko-KR" sz="1600" dirty="0" smtClean="0"/>
+              <a:t>-</a:t>
+            </a:r>
+            <a:r>
+              <a:rPr lang="ko-KR" altLang="en-US" sz="1600" dirty="0" err="1" smtClean="0"/>
+              <a:t>ㅎㅏ</a:t>
+            </a:r>
+            <a:r>
+              <a:rPr lang="en-US" altLang="ko-KR" sz="1600" dirty="0" smtClean="0"/>
+              <a:t>-</a:t>
+            </a:r>
+            <a:r>
+              <a:rPr lang="ko-KR" altLang="en-US" sz="1600" dirty="0" err="1" smtClean="0"/>
+              <a:t>ㅣ가</a:t>
+            </a:r>
+            <a:r>
+              <a:rPr lang="en-US" altLang="ko-KR" sz="1600" dirty="0" smtClean="0"/>
+              <a:t>-</a:t>
+            </a:r>
+            <a:r>
+              <a:rPr lang="ko-KR" altLang="en-US" sz="1600" dirty="0" err="1" smtClean="0"/>
+              <a:t>힣</a:t>
+            </a:r>
+            <a:r>
+              <a:rPr lang="en-US" altLang="ko-KR" sz="1600" dirty="0" smtClean="0"/>
+              <a:t>]</a:t>
+            </a:r>
+            <a:r>
+              <a:rPr lang="ko-KR" altLang="en-US" sz="1600" dirty="0" smtClean="0"/>
+              <a:t> 를 사용하면 된다</a:t>
+            </a:r>
+            <a:r>
+              <a:rPr lang="en-US" altLang="ko-KR" sz="1600" dirty="0" smtClean="0"/>
+              <a:t>)</a:t>
+            </a:r>
+          </a:p>
+          <a:p>
+            <a:r>
+              <a:rPr lang="ko-KR" altLang="en-US" sz="1600" dirty="0" smtClean="0"/>
+              <a:t/>
+            </a:r>
+            <a:br>
+              <a:rPr lang="ko-KR" altLang="en-US" sz="1600" dirty="0" smtClean="0"/>
+            </a:br>
+            <a:endParaRPr lang="ko-KR" altLang="en-US" sz="1600" dirty="0" smtClean="0"/>
+          </a:p>
+          <a:p>
+            <a:r>
+              <a:rPr lang="ko-KR" altLang="en-US" sz="1600" dirty="0" smtClean="0"/>
+              <a:t/>
+            </a:r>
+            <a:br>
+              <a:rPr lang="ko-KR" altLang="en-US" sz="1600" dirty="0" smtClean="0"/>
+            </a:br>
+            <a:endParaRPr lang="ko-KR" altLang="en-US" sz="1600" dirty="0" smtClean="0"/>
+          </a:p>
+          <a:p>
+            <a:endParaRPr lang="ko-KR" altLang="en-US" sz="1600" dirty="0"/>
+          </a:p>
+        </p:txBody>
+      </p:sp>
     </p:spTree>
     <p:extLst>
       <p:ext uri="{BB962C8B-B14F-4D97-AF65-F5344CB8AC3E}">
-        <p14:creationId xmlns:p14="http://schemas.microsoft.com/office/powerpoint/2010/main" val="2776850619"/>
+        <p14:creationId xmlns:p14="http://schemas.microsoft.com/office/powerpoint/2010/main" val="1041024840"/>
       </p:ext>
     </p:extLst>
   </p:cSld>
